--- a/fig/python-install-v01.pptx
+++ b/fig/python-install-v01.pptx
@@ -5,14 +5,13 @@
     <p:sldMasterId id="2147483660" r:id="rId1"/>
   </p:sldMasterIdLst>
   <p:notesMasterIdLst>
-    <p:notesMasterId r:id="rId4"/>
+    <p:notesMasterId r:id="rId3"/>
   </p:notesMasterIdLst>
   <p:handoutMasterIdLst>
-    <p:handoutMasterId r:id="rId5"/>
+    <p:handoutMasterId r:id="rId4"/>
   </p:handoutMasterIdLst>
   <p:sldIdLst>
-    <p:sldId id="342" r:id="rId2"/>
-    <p:sldId id="343" r:id="rId3"/>
+    <p:sldId id="343" r:id="rId2"/>
   </p:sldIdLst>
   <p:sldSz cx="9144000" cy="5143500" type="screen16x9"/>
   <p:notesSz cx="9144000" cy="6858000"/>
@@ -252,7 +251,7 @@
               <a:pPr>
                 <a:defRPr/>
               </a:pPr>
-              <a:t>8/3/16</a:t>
+              <a:t>8/14/16</a:t>
             </a:fld>
             <a:endParaRPr lang="en-US"/>
           </a:p>
@@ -466,7 +465,7 @@
               <a:pPr>
                 <a:defRPr/>
               </a:pPr>
-              <a:t>8/3/16</a:t>
+              <a:t>8/14/16</a:t>
             </a:fld>
             <a:endParaRPr lang="en-US"/>
           </a:p>
@@ -832,100 +831,6 @@
           <a:bodyPr/>
           <a:lstStyle/>
           <a:p>
-            <a:r>
-              <a:rPr lang="en-US" dirty="0" smtClean="0"/>
-              <a:t>grunt</a:t>
-            </a:r>
-            <a:endParaRPr lang="en-US" dirty="0"/>
-          </a:p>
-        </p:txBody>
-      </p:sp>
-      <p:sp>
-        <p:nvSpPr>
-          <p:cNvPr id="4" name="Slide Number Placeholder 3"/>
-          <p:cNvSpPr>
-            <a:spLocks noGrp="1"/>
-          </p:cNvSpPr>
-          <p:nvPr>
-            <p:ph type="sldNum" sz="quarter" idx="10"/>
-          </p:nvPr>
-        </p:nvSpPr>
-        <p:spPr/>
-        <p:txBody>
-          <a:bodyPr/>
-          <a:lstStyle/>
-          <a:p>
-            <a:pPr>
-              <a:defRPr/>
-            </a:pPr>
-            <a:fld id="{631C2E65-C48E-EB49-B8DF-701DB40EA457}" type="slidenum">
-              <a:rPr lang="en-US" smtClean="0"/>
-              <a:pPr>
-                <a:defRPr/>
-              </a:pPr>
-              <a:t>1</a:t>
-            </a:fld>
-            <a:endParaRPr lang="en-US"/>
-          </a:p>
-        </p:txBody>
-      </p:sp>
-    </p:spTree>
-    <p:extLst>
-      <p:ext uri="{BB962C8B-B14F-4D97-AF65-F5344CB8AC3E}">
-        <p14:creationId xmlns:p14="http://schemas.microsoft.com/office/powerpoint/2010/main" val="3330040866"/>
-      </p:ext>
-    </p:extLst>
-  </p:cSld>
-  <p:clrMapOvr>
-    <a:masterClrMapping/>
-  </p:clrMapOvr>
-</p:notes>
-</file>
-
-<file path=ppt/notesSlides/notesSlide2.xml><?xml version="1.0" encoding="utf-8"?>
-<p:notes xmlns:a="http://schemas.openxmlformats.org/drawingml/2006/main" xmlns:r="http://schemas.openxmlformats.org/officeDocument/2006/relationships" xmlns:p="http://schemas.openxmlformats.org/presentationml/2006/main">
-  <p:cSld>
-    <p:spTree>
-      <p:nvGrpSpPr>
-        <p:cNvPr id="1" name=""/>
-        <p:cNvGrpSpPr/>
-        <p:nvPr/>
-      </p:nvGrpSpPr>
-      <p:grpSpPr>
-        <a:xfrm>
-          <a:off x="0" y="0"/>
-          <a:ext cx="0" cy="0"/>
-          <a:chOff x="0" y="0"/>
-          <a:chExt cx="0" cy="0"/>
-        </a:xfrm>
-      </p:grpSpPr>
-      <p:sp>
-        <p:nvSpPr>
-          <p:cNvPr id="2" name="Slide Image Placeholder 1"/>
-          <p:cNvSpPr>
-            <a:spLocks noGrp="1" noRot="1" noChangeAspect="1"/>
-          </p:cNvSpPr>
-          <p:nvPr>
-            <p:ph type="sldImg"/>
-          </p:nvPr>
-        </p:nvSpPr>
-        <p:spPr/>
-      </p:sp>
-      <p:sp>
-        <p:nvSpPr>
-          <p:cNvPr id="3" name="Notes Placeholder 2"/>
-          <p:cNvSpPr>
-            <a:spLocks noGrp="1"/>
-          </p:cNvSpPr>
-          <p:nvPr>
-            <p:ph type="body" idx="1"/>
-          </p:nvPr>
-        </p:nvSpPr>
-        <p:spPr/>
-        <p:txBody>
-          <a:bodyPr/>
-          <a:lstStyle/>
-          <a:p>
             <a:pPr marL="0" marR="0" indent="0" algn="l" defTabSz="342900" rtl="0" eaLnBrk="0" fontAlgn="base" latinLnBrk="0" hangingPunct="0">
               <a:lnSpc>
                 <a:spcPct val="100000"/>
@@ -1001,7 +906,7 @@
               <a:pPr>
                 <a:defRPr/>
               </a:pPr>
-              <a:t>2</a:t>
+              <a:t>1</a:t>
             </a:fld>
             <a:endParaRPr lang="en-US"/>
           </a:p>
@@ -1627,7 +1532,7 @@
               <a:pPr>
                 <a:defRPr/>
               </a:pPr>
-              <a:t>8/3/16</a:t>
+              <a:t>8/14/16</a:t>
             </a:fld>
             <a:endParaRPr lang="en-US"/>
           </a:p>
@@ -2349,20 +2254,156 @@
       </p:grpSpPr>
       <p:sp>
         <p:nvSpPr>
-          <p:cNvPr id="46" name="Rectangle 45"/>
+          <p:cNvPr id="2" name="Title 1"/>
+          <p:cNvSpPr>
+            <a:spLocks noGrp="1"/>
+          </p:cNvSpPr>
+          <p:nvPr>
+            <p:ph type="title"/>
+          </p:nvPr>
+        </p:nvSpPr>
+        <p:spPr>
+          <a:xfrm rot="16200000">
+            <a:off x="-1866183" y="2285107"/>
+            <a:ext cx="4738326" cy="461962"/>
+          </a:xfrm>
+        </p:spPr>
+        <p:txBody>
+          <a:bodyPr/>
+          <a:lstStyle/>
+          <a:p>
+            <a:endParaRPr lang="en-US" dirty="0"/>
+          </a:p>
+        </p:txBody>
+      </p:sp>
+      <p:sp>
+        <p:nvSpPr>
+          <p:cNvPr id="5" name="Can 4"/>
           <p:cNvSpPr/>
           <p:nvPr/>
         </p:nvSpPr>
         <p:spPr>
           <a:xfrm>
-            <a:off x="960165" y="1681435"/>
-            <a:ext cx="6089346" cy="577332"/>
+            <a:off x="2870368" y="364186"/>
+            <a:ext cx="1847167" cy="622526"/>
+          </a:xfrm>
+          <a:prstGeom prst="can">
+            <a:avLst/>
+          </a:prstGeom>
+          <a:solidFill>
+            <a:schemeClr val="accent1"/>
+          </a:solidFill>
+          <a:ln>
+            <a:solidFill>
+              <a:schemeClr val="bg1"/>
+            </a:solidFill>
+          </a:ln>
+        </p:spPr>
+        <p:style>
+          <a:lnRef idx="2">
+            <a:schemeClr val="accent1">
+              <a:shade val="50000"/>
+            </a:schemeClr>
+          </a:lnRef>
+          <a:fillRef idx="1">
+            <a:schemeClr val="accent1"/>
+          </a:fillRef>
+          <a:effectRef idx="0">
+            <a:schemeClr val="accent1"/>
+          </a:effectRef>
+          <a:fontRef idx="minor">
+            <a:schemeClr val="lt1"/>
+          </a:fontRef>
+        </p:style>
+        <p:txBody>
+          <a:bodyPr/>
+          <a:lstStyle/>
+          <a:p>
+            <a:pPr algn="ctr"/>
+            <a:r>
+              <a:rPr lang="en-US" sz="1600" dirty="0" smtClean="0">
+                <a:latin typeface="Open Sans Light"/>
+                <a:cs typeface="Open Sans Light"/>
+              </a:rPr>
+              <a:t>requirements.txt</a:t>
+            </a:r>
+            <a:endParaRPr lang="en-US" sz="1600" dirty="0">
+              <a:latin typeface="Open Sans Light"/>
+              <a:cs typeface="Open Sans Light"/>
+            </a:endParaRPr>
+          </a:p>
+        </p:txBody>
+      </p:sp>
+      <p:sp>
+        <p:nvSpPr>
+          <p:cNvPr id="6" name="Can 5"/>
+          <p:cNvSpPr/>
+          <p:nvPr/>
+        </p:nvSpPr>
+        <p:spPr>
+          <a:xfrm>
+            <a:off x="5740605" y="364186"/>
+            <a:ext cx="1847167" cy="622526"/>
+          </a:xfrm>
+          <a:prstGeom prst="can">
+            <a:avLst/>
+          </a:prstGeom>
+          <a:solidFill>
+            <a:schemeClr val="accent1"/>
+          </a:solidFill>
+          <a:ln>
+            <a:solidFill>
+              <a:schemeClr val="bg1"/>
+            </a:solidFill>
+          </a:ln>
+        </p:spPr>
+        <p:style>
+          <a:lnRef idx="2">
+            <a:schemeClr val="accent1">
+              <a:shade val="50000"/>
+            </a:schemeClr>
+          </a:lnRef>
+          <a:fillRef idx="1">
+            <a:schemeClr val="accent1"/>
+          </a:fillRef>
+          <a:effectRef idx="0">
+            <a:schemeClr val="accent1"/>
+          </a:effectRef>
+          <a:fontRef idx="minor">
+            <a:schemeClr val="lt1"/>
+          </a:fontRef>
+        </p:style>
+        <p:txBody>
+          <a:bodyPr/>
+          <a:lstStyle/>
+          <a:p>
+            <a:pPr algn="ctr"/>
+            <a:r>
+              <a:rPr lang="en-US" sz="1600" dirty="0">
+                <a:latin typeface="Open Sans Light"/>
+                <a:cs typeface="Open Sans Light"/>
+              </a:rPr>
+              <a:t>environment.yaml</a:t>
+            </a:r>
+          </a:p>
+        </p:txBody>
+      </p:sp>
+      <p:sp>
+        <p:nvSpPr>
+          <p:cNvPr id="8" name="Rectangle 7"/>
+          <p:cNvSpPr/>
+          <p:nvPr/>
+        </p:nvSpPr>
+        <p:spPr>
+          <a:xfrm>
+            <a:off x="5740605" y="3240376"/>
+            <a:ext cx="902922" cy="367423"/>
           </a:xfrm>
           <a:prstGeom prst="rect">
             <a:avLst/>
           </a:prstGeom>
           <a:solidFill>
-            <a:schemeClr val="accent1"/>
+            <a:schemeClr val="accent4"/>
           </a:solidFill>
           <a:ln>
             <a:solidFill>
@@ -2399,415 +2440,13 @@
               </a:spcAft>
               <a:defRPr/>
             </a:pPr>
-            <a:endParaRPr lang="en-US" sz="1600" dirty="0">
-              <a:latin typeface="Open Sans Light"/>
-              <a:ea typeface="Open Sans Light" charset="0"/>
-              <a:cs typeface="Open Sans Light"/>
-            </a:endParaRPr>
-          </a:p>
-        </p:txBody>
-      </p:sp>
-      <p:sp>
-        <p:nvSpPr>
-          <p:cNvPr id="35" name="Title 1"/>
-          <p:cNvSpPr>
-            <a:spLocks noGrp="1"/>
-          </p:cNvSpPr>
-          <p:nvPr>
-            <p:ph type="title"/>
-          </p:nvPr>
-        </p:nvSpPr>
-        <p:spPr>
-          <a:xfrm rot="16200000">
-            <a:off x="-2083413" y="2304437"/>
-            <a:ext cx="4738326" cy="461962"/>
-          </a:xfrm>
-        </p:spPr>
-        <p:txBody>
-          <a:bodyPr/>
-          <a:lstStyle/>
-          <a:p>
-            <a:r>
-              <a:rPr lang="en-US" dirty="0" smtClean="0">
-                <a:latin typeface="Open Sans"/>
-                <a:cs typeface="Open Sans"/>
-              </a:rPr>
-              <a:t>CI Pipeline</a:t>
-            </a:r>
-            <a:endParaRPr lang="en-US" dirty="0">
-              <a:latin typeface="Open Sans"/>
-              <a:cs typeface="Open Sans"/>
-            </a:endParaRPr>
-          </a:p>
-        </p:txBody>
-      </p:sp>
-      <p:sp>
-        <p:nvSpPr>
-          <p:cNvPr id="21" name="Can 20"/>
-          <p:cNvSpPr/>
-          <p:nvPr/>
-        </p:nvSpPr>
-        <p:spPr>
-          <a:xfrm>
-            <a:off x="939103" y="301205"/>
-            <a:ext cx="1296387" cy="896132"/>
-          </a:xfrm>
-          <a:prstGeom prst="can">
-            <a:avLst/>
-          </a:prstGeom>
-          <a:solidFill>
-            <a:srgbClr val="FF6600"/>
-          </a:solidFill>
-          <a:ln>
-            <a:solidFill>
-              <a:schemeClr val="bg1"/>
-            </a:solidFill>
-          </a:ln>
-        </p:spPr>
-        <p:style>
-          <a:lnRef idx="2">
-            <a:schemeClr val="accent1">
-              <a:shade val="50000"/>
-            </a:schemeClr>
-          </a:lnRef>
-          <a:fillRef idx="1">
-            <a:schemeClr val="accent1"/>
-          </a:fillRef>
-          <a:effectRef idx="0">
-            <a:schemeClr val="accent1"/>
-          </a:effectRef>
-          <a:fontRef idx="minor">
-            <a:schemeClr val="lt1"/>
-          </a:fontRef>
-        </p:style>
-        <p:txBody>
-          <a:bodyPr/>
-          <a:lstStyle/>
-          <a:p>
-            <a:pPr algn="ctr"/>
-            <a:r>
-              <a:rPr lang="en-US" sz="1600" dirty="0" smtClean="0">
-                <a:latin typeface="Open Sans Light"/>
-                <a:cs typeface="Open Sans Light"/>
-              </a:rPr>
-              <a:t>app source</a:t>
-            </a:r>
-            <a:endParaRPr lang="en-US" sz="1600" dirty="0">
-              <a:latin typeface="Open Sans Light"/>
-              <a:cs typeface="Open Sans Light"/>
-            </a:endParaRPr>
-          </a:p>
-          <a:p>
-            <a:pPr algn="ctr"/>
-            <a:endParaRPr lang="en-US" sz="1600" dirty="0">
-              <a:latin typeface="Open Sans Light"/>
-              <a:cs typeface="Open Sans Light"/>
-            </a:endParaRPr>
-          </a:p>
-        </p:txBody>
-      </p:sp>
-      <p:cxnSp>
-        <p:nvCxnSpPr>
-          <p:cNvPr id="22" name="Straight Arrow Connector 21"/>
-          <p:cNvCxnSpPr/>
-          <p:nvPr/>
-        </p:nvCxnSpPr>
-        <p:spPr>
-          <a:xfrm flipH="1">
-            <a:off x="2049041" y="1197337"/>
-            <a:ext cx="36" cy="468970"/>
-          </a:xfrm>
-          <a:prstGeom prst="straightConnector1">
-            <a:avLst/>
-          </a:prstGeom>
-          <a:ln w="25400">
-            <a:solidFill>
-              <a:schemeClr val="tx1"/>
-            </a:solidFill>
-            <a:tailEnd type="triangle" w="lg" len="lg"/>
-          </a:ln>
-        </p:spPr>
-        <p:style>
-          <a:lnRef idx="1">
-            <a:schemeClr val="accent1"/>
-          </a:lnRef>
-          <a:fillRef idx="0">
-            <a:schemeClr val="accent1"/>
-          </a:fillRef>
-          <a:effectRef idx="0">
-            <a:schemeClr val="accent1"/>
-          </a:effectRef>
-          <a:fontRef idx="minor">
-            <a:schemeClr val="tx1"/>
-          </a:fontRef>
-        </p:style>
-      </p:cxnSp>
-      <p:sp>
-        <p:nvSpPr>
-          <p:cNvPr id="23" name="Can 22"/>
-          <p:cNvSpPr/>
-          <p:nvPr/>
-        </p:nvSpPr>
-        <p:spPr>
-          <a:xfrm>
-            <a:off x="4224354" y="301205"/>
-            <a:ext cx="1249776" cy="822960"/>
-          </a:xfrm>
-          <a:prstGeom prst="can">
-            <a:avLst/>
-          </a:prstGeom>
-          <a:solidFill>
-            <a:schemeClr val="accent1"/>
-          </a:solidFill>
-          <a:ln>
-            <a:solidFill>
-              <a:schemeClr val="bg1"/>
-            </a:solidFill>
-          </a:ln>
-        </p:spPr>
-        <p:style>
-          <a:lnRef idx="2">
-            <a:schemeClr val="accent1">
-              <a:shade val="50000"/>
-            </a:schemeClr>
-          </a:lnRef>
-          <a:fillRef idx="1">
-            <a:schemeClr val="accent1"/>
-          </a:fillRef>
-          <a:effectRef idx="0">
-            <a:schemeClr val="accent1"/>
-          </a:effectRef>
-          <a:fontRef idx="minor">
-            <a:schemeClr val="lt1"/>
-          </a:fontRef>
-        </p:style>
-        <p:txBody>
-          <a:bodyPr/>
-          <a:lstStyle/>
-          <a:p>
-            <a:pPr algn="ctr"/>
-            <a:r>
-              <a:rPr lang="en-US" sz="1600" dirty="0" smtClean="0">
-                <a:latin typeface="Open Sans Light"/>
-                <a:cs typeface="Open Sans Light"/>
-              </a:rPr>
-              <a:t>DockerHub</a:t>
-            </a:r>
-            <a:br>
-              <a:rPr lang="en-US" sz="1600" dirty="0" smtClean="0">
-                <a:latin typeface="Open Sans Light"/>
-                <a:cs typeface="Open Sans Light"/>
-              </a:rPr>
-            </a:br>
-            <a:r>
-              <a:rPr lang="en-US" sz="1600" dirty="0" smtClean="0">
-                <a:latin typeface="Open Sans Light"/>
-                <a:cs typeface="Open Sans Light"/>
-              </a:rPr>
-              <a:t>images</a:t>
-            </a:r>
-            <a:endParaRPr lang="en-US" sz="1600" dirty="0">
-              <a:latin typeface="Open Sans Light"/>
-              <a:cs typeface="Open Sans Light"/>
-            </a:endParaRPr>
-          </a:p>
-        </p:txBody>
-      </p:sp>
-      <p:sp>
-        <p:nvSpPr>
-          <p:cNvPr id="27" name="TextBox 26"/>
-          <p:cNvSpPr txBox="1"/>
-          <p:nvPr/>
-        </p:nvSpPr>
-        <p:spPr>
-          <a:xfrm>
-            <a:off x="1314293" y="236156"/>
-            <a:ext cx="600946" cy="338554"/>
-          </a:xfrm>
-          <a:prstGeom prst="rect">
-            <a:avLst/>
-          </a:prstGeom>
-          <a:noFill/>
-        </p:spPr>
-        <p:txBody>
-          <a:bodyPr wrap="none" rtlCol="0">
-            <a:spAutoFit/>
-          </a:bodyPr>
-          <a:lstStyle/>
-          <a:p>
-            <a:pPr algn="ctr"/>
-            <a:r>
-              <a:rPr lang="en-US" sz="1600" dirty="0" smtClean="0">
-                <a:solidFill>
-                  <a:srgbClr val="FFFFFF"/>
-                </a:solidFill>
-                <a:latin typeface="Open Sans Light"/>
-                <a:cs typeface="Open Sans Light"/>
-              </a:rPr>
-              <a:t>SCM</a:t>
-            </a:r>
-            <a:endParaRPr lang="en-US" sz="1600" dirty="0">
-              <a:solidFill>
-                <a:srgbClr val="FFFFFF"/>
-              </a:solidFill>
-              <a:latin typeface="Open Sans Light"/>
-              <a:cs typeface="Open Sans Light"/>
-            </a:endParaRPr>
-          </a:p>
-        </p:txBody>
-      </p:sp>
-      <p:sp>
-        <p:nvSpPr>
-          <p:cNvPr id="28" name="TextBox 27"/>
-          <p:cNvSpPr txBox="1"/>
-          <p:nvPr/>
-        </p:nvSpPr>
-        <p:spPr>
-          <a:xfrm>
-            <a:off x="1051327" y="837789"/>
-            <a:ext cx="1105892" cy="338554"/>
-          </a:xfrm>
-          <a:prstGeom prst="rect">
-            <a:avLst/>
-          </a:prstGeom>
-          <a:noFill/>
-        </p:spPr>
-        <p:txBody>
-          <a:bodyPr wrap="none" rtlCol="0">
-            <a:spAutoFit/>
-          </a:bodyPr>
-          <a:lstStyle/>
-          <a:p>
-            <a:pPr algn="ctr"/>
-            <a:r>
-              <a:rPr lang="en-US" sz="1600" dirty="0" smtClean="0">
-                <a:solidFill>
-                  <a:srgbClr val="FFFFFF"/>
-                </a:solidFill>
-                <a:latin typeface="Open Sans Light"/>
-                <a:cs typeface="Open Sans Light"/>
-              </a:rPr>
-              <a:t>Dockerfile</a:t>
-            </a:r>
-            <a:endParaRPr lang="en-US" sz="1600" dirty="0">
-              <a:solidFill>
-                <a:srgbClr val="FFFFFF"/>
-              </a:solidFill>
-              <a:latin typeface="Open Sans Light"/>
-              <a:cs typeface="Open Sans Light"/>
-            </a:endParaRPr>
-          </a:p>
-        </p:txBody>
-      </p:sp>
-      <p:cxnSp>
-        <p:nvCxnSpPr>
-          <p:cNvPr id="29" name="Straight Arrow Connector 28"/>
-          <p:cNvCxnSpPr>
-            <a:stCxn id="42" idx="0"/>
-            <a:endCxn id="23" idx="3"/>
-          </p:cNvCxnSpPr>
-          <p:nvPr/>
-        </p:nvCxnSpPr>
-        <p:spPr>
-          <a:xfrm flipV="1">
-            <a:off x="4848796" y="1124165"/>
-            <a:ext cx="446" cy="550355"/>
-          </a:xfrm>
-          <a:prstGeom prst="straightConnector1">
-            <a:avLst/>
-          </a:prstGeom>
-          <a:ln w="25400">
-            <a:solidFill>
-              <a:schemeClr val="tx1"/>
-            </a:solidFill>
-            <a:tailEnd type="triangle" w="lg" len="lg"/>
-          </a:ln>
-        </p:spPr>
-        <p:style>
-          <a:lnRef idx="1">
-            <a:schemeClr val="accent1"/>
-          </a:lnRef>
-          <a:fillRef idx="0">
-            <a:schemeClr val="accent1"/>
-          </a:fillRef>
-          <a:effectRef idx="0">
-            <a:schemeClr val="accent1"/>
-          </a:effectRef>
-          <a:fontRef idx="minor">
-            <a:schemeClr val="tx1"/>
-          </a:fontRef>
-        </p:style>
-      </p:cxnSp>
-      <p:sp>
-        <p:nvSpPr>
-          <p:cNvPr id="34" name="Rectangle 33"/>
-          <p:cNvSpPr/>
-          <p:nvPr/>
-        </p:nvSpPr>
-        <p:spPr>
-          <a:xfrm>
-            <a:off x="949598" y="1666307"/>
-            <a:ext cx="1275325" cy="577332"/>
-          </a:xfrm>
-          <a:prstGeom prst="rect">
-            <a:avLst/>
-          </a:prstGeom>
-          <a:noFill/>
-          <a:ln>
-            <a:noFill/>
-          </a:ln>
-        </p:spPr>
-        <p:style>
-          <a:lnRef idx="2">
-            <a:schemeClr val="accent1">
-              <a:shade val="50000"/>
-            </a:schemeClr>
-          </a:lnRef>
-          <a:fillRef idx="1">
-            <a:schemeClr val="accent1"/>
-          </a:fillRef>
-          <a:effectRef idx="0">
-            <a:schemeClr val="accent1"/>
-          </a:effectRef>
-          <a:fontRef idx="minor">
-            <a:schemeClr val="lt1"/>
-          </a:fontRef>
-        </p:style>
-        <p:txBody>
-          <a:bodyPr lIns="68681" tIns="34340" rIns="68681" bIns="34340" anchor="ctr"/>
-          <a:lstStyle/>
-          <a:p>
-            <a:pPr algn="ctr" defTabSz="343403" eaLnBrk="1" fontAlgn="auto" hangingPunct="1">
-              <a:spcBef>
-                <a:spcPts val="0"/>
-              </a:spcBef>
-              <a:spcAft>
-                <a:spcPts val="0"/>
-              </a:spcAft>
-              <a:defRPr/>
-            </a:pPr>
             <a:r>
               <a:rPr lang="en-US" sz="1600" dirty="0" smtClean="0">
                 <a:latin typeface="Open Sans Light"/>
                 <a:ea typeface="Open Sans Light" charset="0"/>
                 <a:cs typeface="Open Sans Light"/>
               </a:rPr>
-              <a:t>CI (Jenkins)</a:t>
-            </a:r>
-            <a:br>
-              <a:rPr lang="en-US" sz="1600" dirty="0" smtClean="0">
-                <a:latin typeface="Open Sans Light"/>
-                <a:ea typeface="Open Sans Light" charset="0"/>
-                <a:cs typeface="Open Sans Light"/>
-              </a:rPr>
-            </a:br>
-            <a:r>
-              <a:rPr lang="en-US" sz="1600" dirty="0" smtClean="0">
-                <a:latin typeface="Open Sans Light"/>
-                <a:ea typeface="Open Sans Light" charset="0"/>
-                <a:cs typeface="Open Sans Light"/>
-              </a:rPr>
-              <a:t>collect</a:t>
+              <a:t>Python</a:t>
             </a:r>
             <a:endParaRPr lang="en-US" sz="1600" dirty="0">
               <a:latin typeface="Open Sans Light"/>
@@ -2819,320 +2458,14 @@
       </p:sp>
       <p:sp>
         <p:nvSpPr>
-          <p:cNvPr id="41" name="TextBox 40"/>
-          <p:cNvSpPr txBox="1"/>
-          <p:nvPr/>
-        </p:nvSpPr>
-        <p:spPr>
-          <a:xfrm>
-            <a:off x="872313" y="2285719"/>
-            <a:ext cx="1704048" cy="584776"/>
-          </a:xfrm>
-          <a:prstGeom prst="rect">
-            <a:avLst/>
-          </a:prstGeom>
-          <a:noFill/>
-        </p:spPr>
-        <p:txBody>
-          <a:bodyPr wrap="square" rtlCol="0">
-            <a:spAutoFit/>
-          </a:bodyPr>
-          <a:lstStyle/>
-          <a:p>
-            <a:pPr marL="342900" indent="-342900">
-              <a:buFont typeface="+mj-lt"/>
-              <a:buAutoNum type="arabicPeriod" startAt="3"/>
-            </a:pPr>
-            <a:r>
-              <a:rPr lang="en-US" sz="1600" dirty="0" smtClean="0">
-                <a:latin typeface="Open Sans Light"/>
-                <a:cs typeface="Open Sans Light"/>
-              </a:rPr>
-              <a:t>Instantiate CI server</a:t>
-            </a:r>
-          </a:p>
-        </p:txBody>
-      </p:sp>
-      <p:sp>
-        <p:nvSpPr>
-          <p:cNvPr id="42" name="Rectangle 41"/>
+          <p:cNvPr id="9" name="Rectangle 8"/>
           <p:cNvSpPr/>
           <p:nvPr/>
         </p:nvSpPr>
         <p:spPr>
           <a:xfrm>
-            <a:off x="4211133" y="1674520"/>
-            <a:ext cx="1275325" cy="577332"/>
-          </a:xfrm>
-          <a:prstGeom prst="rect">
-            <a:avLst/>
-          </a:prstGeom>
-          <a:noFill/>
-          <a:ln>
-            <a:noFill/>
-          </a:ln>
-        </p:spPr>
-        <p:style>
-          <a:lnRef idx="2">
-            <a:schemeClr val="accent1">
-              <a:shade val="50000"/>
-            </a:schemeClr>
-          </a:lnRef>
-          <a:fillRef idx="1">
-            <a:schemeClr val="accent1"/>
-          </a:fillRef>
-          <a:effectRef idx="0">
-            <a:schemeClr val="accent1"/>
-          </a:effectRef>
-          <a:fontRef idx="minor">
-            <a:schemeClr val="lt1"/>
-          </a:fontRef>
-        </p:style>
-        <p:txBody>
-          <a:bodyPr lIns="68681" tIns="34340" rIns="68681" bIns="34340" anchor="ctr"/>
-          <a:lstStyle/>
-          <a:p>
-            <a:pPr algn="ctr" defTabSz="343403" eaLnBrk="1" fontAlgn="auto" hangingPunct="1">
-              <a:spcBef>
-                <a:spcPts val="0"/>
-              </a:spcBef>
-              <a:spcAft>
-                <a:spcPts val="0"/>
-              </a:spcAft>
-              <a:defRPr/>
-            </a:pPr>
-            <a:r>
-              <a:rPr lang="en-US" sz="1600" dirty="0" smtClean="0">
-                <a:latin typeface="Open Sans Light"/>
-                <a:ea typeface="Open Sans Light" charset="0"/>
-                <a:cs typeface="Open Sans Light"/>
-              </a:rPr>
-              <a:t>publish</a:t>
-            </a:r>
-            <a:endParaRPr lang="en-US" sz="1600" dirty="0">
-              <a:latin typeface="Open Sans Light"/>
-              <a:ea typeface="Open Sans Light" charset="0"/>
-              <a:cs typeface="Open Sans Light"/>
-            </a:endParaRPr>
-          </a:p>
-        </p:txBody>
-      </p:sp>
-      <p:sp>
-        <p:nvSpPr>
-          <p:cNvPr id="44" name="TextBox 43"/>
-          <p:cNvSpPr txBox="1"/>
-          <p:nvPr/>
-        </p:nvSpPr>
-        <p:spPr>
-          <a:xfrm>
-            <a:off x="4135839" y="2285719"/>
-            <a:ext cx="1610504" cy="2062103"/>
-          </a:xfrm>
-          <a:prstGeom prst="rect">
-            <a:avLst/>
-          </a:prstGeom>
-          <a:noFill/>
-        </p:spPr>
-        <p:txBody>
-          <a:bodyPr wrap="square" rtlCol="0">
-            <a:spAutoFit/>
-          </a:bodyPr>
-          <a:lstStyle/>
-          <a:p>
-            <a:pPr marL="342900" indent="-342900">
-              <a:buFont typeface="+mj-lt"/>
-              <a:buAutoNum type="arabicPeriod" startAt="10"/>
-            </a:pPr>
-            <a:r>
-              <a:rPr lang="en-US" sz="1600" dirty="0" smtClean="0">
-                <a:latin typeface="Open Sans Light"/>
-                <a:cs typeface="Open Sans Light"/>
-              </a:rPr>
-              <a:t>Build Docker image with tag</a:t>
-            </a:r>
-          </a:p>
-          <a:p>
-            <a:pPr marL="342900" indent="-342900">
-              <a:buFont typeface="+mj-lt"/>
-              <a:buAutoNum type="arabicPeriod" startAt="10"/>
-            </a:pPr>
-            <a:r>
-              <a:rPr lang="en-US" sz="1600" dirty="0" smtClean="0">
-                <a:latin typeface="Open Sans Light"/>
-                <a:cs typeface="Open Sans Light"/>
-              </a:rPr>
-              <a:t>Push Docker image to DockerHub</a:t>
-            </a:r>
-            <a:endParaRPr lang="en-US" sz="1600" dirty="0">
-              <a:latin typeface="Open Sans Light"/>
-              <a:cs typeface="Open Sans Light"/>
-            </a:endParaRPr>
-          </a:p>
-        </p:txBody>
-      </p:sp>
-      <p:sp>
-        <p:nvSpPr>
-          <p:cNvPr id="47" name="Rectangle 46"/>
-          <p:cNvSpPr/>
-          <p:nvPr/>
-        </p:nvSpPr>
-        <p:spPr>
-          <a:xfrm>
-            <a:off x="5799735" y="1674520"/>
-            <a:ext cx="1275325" cy="577332"/>
-          </a:xfrm>
-          <a:prstGeom prst="rect">
-            <a:avLst/>
-          </a:prstGeom>
-          <a:noFill/>
-          <a:ln>
-            <a:noFill/>
-          </a:ln>
-        </p:spPr>
-        <p:style>
-          <a:lnRef idx="2">
-            <a:schemeClr val="accent1">
-              <a:shade val="50000"/>
-            </a:schemeClr>
-          </a:lnRef>
-          <a:fillRef idx="1">
-            <a:schemeClr val="accent1"/>
-          </a:fillRef>
-          <a:effectRef idx="0">
-            <a:schemeClr val="accent1"/>
-          </a:effectRef>
-          <a:fontRef idx="minor">
-            <a:schemeClr val="lt1"/>
-          </a:fontRef>
-        </p:style>
-        <p:txBody>
-          <a:bodyPr lIns="68681" tIns="34340" rIns="68681" bIns="34340" anchor="ctr"/>
-          <a:lstStyle/>
-          <a:p>
-            <a:pPr algn="ctr" defTabSz="343403" eaLnBrk="1" fontAlgn="auto" hangingPunct="1">
-              <a:spcBef>
-                <a:spcPts val="0"/>
-              </a:spcBef>
-              <a:spcAft>
-                <a:spcPts val="0"/>
-              </a:spcAft>
-              <a:defRPr/>
-            </a:pPr>
-            <a:r>
-              <a:rPr lang="en-US" sz="1600" dirty="0" smtClean="0">
-                <a:latin typeface="Open Sans Light"/>
-                <a:ea typeface="Open Sans Light" charset="0"/>
-                <a:cs typeface="Open Sans Light"/>
-              </a:rPr>
-              <a:t>deploy</a:t>
-            </a:r>
-            <a:br>
-              <a:rPr lang="en-US" sz="1600" dirty="0" smtClean="0">
-                <a:latin typeface="Open Sans Light"/>
-                <a:ea typeface="Open Sans Light" charset="0"/>
-                <a:cs typeface="Open Sans Light"/>
-              </a:rPr>
-            </a:br>
-            <a:r>
-              <a:rPr lang="en-US" sz="1600" dirty="0" smtClean="0">
-                <a:latin typeface="Open Sans Light"/>
-                <a:ea typeface="Open Sans Light" charset="0"/>
-                <a:cs typeface="Open Sans Light"/>
-              </a:rPr>
-              <a:t>image</a:t>
-            </a:r>
-            <a:endParaRPr lang="en-US" sz="1600" dirty="0">
-              <a:latin typeface="Open Sans Light"/>
-              <a:ea typeface="Open Sans Light" charset="0"/>
-              <a:cs typeface="Open Sans Light"/>
-            </a:endParaRPr>
-          </a:p>
-        </p:txBody>
-      </p:sp>
-      <p:sp>
-        <p:nvSpPr>
-          <p:cNvPr id="50" name="TextBox 49"/>
-          <p:cNvSpPr txBox="1"/>
-          <p:nvPr/>
-        </p:nvSpPr>
-        <p:spPr>
-          <a:xfrm>
-            <a:off x="5746342" y="2285719"/>
-            <a:ext cx="1537038" cy="830997"/>
-          </a:xfrm>
-          <a:prstGeom prst="rect">
-            <a:avLst/>
-          </a:prstGeom>
-          <a:noFill/>
-        </p:spPr>
-        <p:txBody>
-          <a:bodyPr wrap="square" rtlCol="0">
-            <a:spAutoFit/>
-          </a:bodyPr>
-          <a:lstStyle/>
-          <a:p>
-            <a:pPr marL="342900" indent="-342900">
-              <a:buFont typeface="+mj-lt"/>
-              <a:buAutoNum type="arabicPeriod" startAt="12"/>
-            </a:pPr>
-            <a:r>
-              <a:rPr lang="en-US" sz="1600" dirty="0" smtClean="0">
-                <a:latin typeface="Open Sans Light"/>
-                <a:cs typeface="Open Sans Light"/>
-              </a:rPr>
-              <a:t>Pull Docker image</a:t>
-            </a:r>
-          </a:p>
-        </p:txBody>
-      </p:sp>
-      <p:cxnSp>
-        <p:nvCxnSpPr>
-          <p:cNvPr id="51" name="Straight Arrow Connector 50"/>
-          <p:cNvCxnSpPr>
-            <a:stCxn id="23" idx="3"/>
-          </p:cNvCxnSpPr>
-          <p:nvPr/>
-        </p:nvCxnSpPr>
-        <p:spPr>
-          <a:xfrm>
-            <a:off x="4849242" y="1124165"/>
-            <a:ext cx="950493" cy="550355"/>
-          </a:xfrm>
-          <a:prstGeom prst="straightConnector1">
-            <a:avLst/>
-          </a:prstGeom>
-          <a:ln w="25400">
-            <a:solidFill>
-              <a:schemeClr val="tx1"/>
-            </a:solidFill>
-            <a:tailEnd type="triangle" w="lg" len="lg"/>
-          </a:ln>
-        </p:spPr>
-        <p:style>
-          <a:lnRef idx="1">
-            <a:schemeClr val="accent1"/>
-          </a:lnRef>
-          <a:fillRef idx="0">
-            <a:schemeClr val="accent1"/>
-          </a:fillRef>
-          <a:effectRef idx="0">
-            <a:schemeClr val="accent1"/>
-          </a:effectRef>
-          <a:fontRef idx="minor">
-            <a:schemeClr val="tx1"/>
-          </a:fontRef>
-        </p:style>
-      </p:cxnSp>
-      <p:sp>
-        <p:nvSpPr>
-          <p:cNvPr id="52" name="Rectangle 51"/>
-          <p:cNvSpPr/>
-          <p:nvPr/>
-        </p:nvSpPr>
-        <p:spPr>
-          <a:xfrm>
-            <a:off x="7356852" y="1666307"/>
-            <a:ext cx="1275325" cy="577332"/>
+            <a:off x="5740605" y="3639259"/>
+            <a:ext cx="1275325" cy="367362"/>
           </a:xfrm>
           <a:prstGeom prst="rect">
             <a:avLst/>
@@ -3181,2809 +2514,21 @@
                 <a:ea typeface="Open Sans Light" charset="0"/>
                 <a:cs typeface="Open Sans Light"/>
               </a:rPr>
-              <a:t>smoke test</a:t>
+              <a:t>Conda CLI</a:t>
             </a:r>
-          </a:p>
-          <a:p>
-            <a:pPr algn="ctr" defTabSz="343403" eaLnBrk="1" fontAlgn="auto" hangingPunct="1">
-              <a:spcBef>
-                <a:spcPts val="0"/>
-              </a:spcBef>
-              <a:spcAft>
-                <a:spcPts val="0"/>
-              </a:spcAft>
-              <a:defRPr/>
-            </a:pPr>
-            <a:r>
-              <a:rPr lang="en-US" sz="1600" dirty="0" smtClean="0">
-                <a:latin typeface="Open Sans Light"/>
-                <a:ea typeface="Open Sans Light" charset="0"/>
-                <a:cs typeface="Open Sans Light"/>
-              </a:rPr>
-              <a:t>on app svr.</a:t>
-            </a:r>
-            <a:endParaRPr lang="en-US" sz="1600" dirty="0">
-              <a:latin typeface="Open Sans Light"/>
-              <a:ea typeface="Open Sans Light" charset="0"/>
-              <a:cs typeface="Open Sans Light"/>
-            </a:endParaRPr>
           </a:p>
         </p:txBody>
       </p:sp>
       <p:sp>
         <p:nvSpPr>
-          <p:cNvPr id="54" name="TextBox 53"/>
-          <p:cNvSpPr txBox="1"/>
-          <p:nvPr/>
-        </p:nvSpPr>
-        <p:spPr>
-          <a:xfrm>
-            <a:off x="7199420" y="2285719"/>
-            <a:ext cx="1805518" cy="338554"/>
-          </a:xfrm>
-          <a:prstGeom prst="rect">
-            <a:avLst/>
-          </a:prstGeom>
-          <a:noFill/>
-        </p:spPr>
-        <p:txBody>
-          <a:bodyPr wrap="square" rtlCol="0">
-            <a:spAutoFit/>
-          </a:bodyPr>
-          <a:lstStyle/>
-          <a:p>
-            <a:pPr marL="342900" indent="-342900">
-              <a:buFont typeface="+mj-lt"/>
-              <a:buAutoNum type="arabicPeriod" startAt="14"/>
-            </a:pPr>
-            <a:r>
-              <a:rPr lang="en-US" sz="1600" dirty="0" smtClean="0">
-                <a:latin typeface="Open Sans Light"/>
-                <a:cs typeface="Open Sans Light"/>
-              </a:rPr>
-              <a:t>Provision VPC</a:t>
-            </a:r>
-          </a:p>
-        </p:txBody>
-      </p:sp>
-      <p:sp>
-        <p:nvSpPr>
-          <p:cNvPr id="56" name="Rectangle 55"/>
+          <p:cNvPr id="10" name="Rectangle 9"/>
           <p:cNvSpPr/>
           <p:nvPr/>
         </p:nvSpPr>
         <p:spPr>
           <a:xfrm>
-            <a:off x="2751876" y="1666307"/>
-            <a:ext cx="1275325" cy="577332"/>
-          </a:xfrm>
-          <a:prstGeom prst="rect">
-            <a:avLst/>
-          </a:prstGeom>
-          <a:noFill/>
-          <a:ln>
-            <a:noFill/>
-          </a:ln>
-        </p:spPr>
-        <p:style>
-          <a:lnRef idx="2">
-            <a:schemeClr val="accent1">
-              <a:shade val="50000"/>
-            </a:schemeClr>
-          </a:lnRef>
-          <a:fillRef idx="1">
-            <a:schemeClr val="accent1"/>
-          </a:fillRef>
-          <a:effectRef idx="0">
-            <a:schemeClr val="accent1"/>
-          </a:effectRef>
-          <a:fontRef idx="minor">
-            <a:schemeClr val="lt1"/>
-          </a:fontRef>
-        </p:style>
-        <p:txBody>
-          <a:bodyPr lIns="68681" tIns="34340" rIns="68681" bIns="34340" anchor="ctr"/>
-          <a:lstStyle/>
-          <a:p>
-            <a:pPr algn="ctr" defTabSz="343403" eaLnBrk="1" fontAlgn="auto" hangingPunct="1">
-              <a:spcBef>
-                <a:spcPts val="0"/>
-              </a:spcBef>
-              <a:spcAft>
-                <a:spcPts val="0"/>
-              </a:spcAft>
-              <a:defRPr/>
-            </a:pPr>
-            <a:r>
-              <a:rPr lang="en-US" sz="1600" dirty="0" smtClean="0">
-                <a:latin typeface="Open Sans Light"/>
-                <a:ea typeface="Open Sans Light" charset="0"/>
-                <a:cs typeface="Open Sans Light"/>
-              </a:rPr>
-              <a:t>build &amp; compile</a:t>
-            </a:r>
-            <a:endParaRPr lang="en-US" sz="1600" dirty="0">
-              <a:latin typeface="Open Sans Light"/>
-              <a:ea typeface="Open Sans Light" charset="0"/>
-              <a:cs typeface="Open Sans Light"/>
-            </a:endParaRPr>
-          </a:p>
-        </p:txBody>
-      </p:sp>
-      <p:sp>
-        <p:nvSpPr>
-          <p:cNvPr id="57" name="TextBox 56"/>
-          <p:cNvSpPr txBox="1"/>
-          <p:nvPr/>
-        </p:nvSpPr>
-        <p:spPr>
-          <a:xfrm>
-            <a:off x="2591045" y="2331886"/>
-            <a:ext cx="1544793" cy="1077218"/>
-          </a:xfrm>
-          <a:prstGeom prst="rect">
-            <a:avLst/>
-          </a:prstGeom>
-          <a:noFill/>
-        </p:spPr>
-        <p:txBody>
-          <a:bodyPr wrap="square" rtlCol="0">
-            <a:spAutoFit/>
-          </a:bodyPr>
-          <a:lstStyle/>
-          <a:p>
-            <a:pPr marL="342900" indent="-342900">
-              <a:buFont typeface="+mj-lt"/>
-              <a:buAutoNum type="arabicPeriod" startAt="7"/>
-            </a:pPr>
-            <a:r>
-              <a:rPr lang="en-US" sz="1600" dirty="0" smtClean="0">
-                <a:solidFill>
-                  <a:srgbClr val="A6A6A6"/>
-                </a:solidFill>
-                <a:latin typeface="Open Sans Light"/>
-                <a:cs typeface="Open Sans Light"/>
-              </a:rPr>
-              <a:t>Run Gulp,</a:t>
-            </a:r>
-            <a:br>
-              <a:rPr lang="en-US" sz="1600" dirty="0" smtClean="0">
-                <a:solidFill>
-                  <a:srgbClr val="A6A6A6"/>
-                </a:solidFill>
-                <a:latin typeface="Open Sans Light"/>
-                <a:cs typeface="Open Sans Light"/>
-              </a:rPr>
-            </a:br>
-            <a:r>
-              <a:rPr lang="en-US" sz="1600" dirty="0" smtClean="0">
-                <a:solidFill>
-                  <a:srgbClr val="A6A6A6"/>
-                </a:solidFill>
-                <a:latin typeface="Open Sans Light"/>
-                <a:cs typeface="Open Sans Light"/>
-              </a:rPr>
-              <a:t>Maven, etc.</a:t>
-            </a:r>
-          </a:p>
-          <a:p>
-            <a:pPr marL="342900" indent="-342900">
-              <a:buFont typeface="+mj-lt"/>
-              <a:buAutoNum type="arabicPeriod" startAt="7"/>
-            </a:pPr>
-            <a:r>
-              <a:rPr lang="en-US" sz="1600" dirty="0" smtClean="0">
-                <a:solidFill>
-                  <a:srgbClr val="A6A6A6"/>
-                </a:solidFill>
-                <a:latin typeface="Open Sans Light"/>
-                <a:cs typeface="Open Sans Light"/>
-              </a:rPr>
-              <a:t>Code scan</a:t>
-            </a:r>
-            <a:endParaRPr lang="en-US" sz="1600" dirty="0">
-              <a:solidFill>
-                <a:srgbClr val="A6A6A6"/>
-              </a:solidFill>
-              <a:latin typeface="Open Sans Light"/>
-              <a:cs typeface="Open Sans Light"/>
-            </a:endParaRPr>
-          </a:p>
-        </p:txBody>
-      </p:sp>
-      <p:cxnSp>
-        <p:nvCxnSpPr>
-          <p:cNvPr id="61" name="Straight Arrow Connector 60"/>
-          <p:cNvCxnSpPr>
-            <a:stCxn id="34" idx="3"/>
-            <a:endCxn id="42" idx="1"/>
-          </p:cNvCxnSpPr>
-          <p:nvPr/>
-        </p:nvCxnSpPr>
-        <p:spPr>
-          <a:xfrm>
-            <a:off x="2224923" y="1954973"/>
-            <a:ext cx="1986210" cy="8213"/>
-          </a:xfrm>
-          <a:prstGeom prst="straightConnector1">
-            <a:avLst/>
-          </a:prstGeom>
-          <a:ln w="12700">
-            <a:solidFill>
-              <a:schemeClr val="tx1"/>
-            </a:solidFill>
-            <a:tailEnd type="triangle" w="lg" len="lg"/>
-          </a:ln>
-        </p:spPr>
-        <p:style>
-          <a:lnRef idx="1">
-            <a:schemeClr val="accent1"/>
-          </a:lnRef>
-          <a:fillRef idx="0">
-            <a:schemeClr val="accent1"/>
-          </a:fillRef>
-          <a:effectRef idx="0">
-            <a:schemeClr val="accent1"/>
-          </a:effectRef>
-          <a:fontRef idx="minor">
-            <a:schemeClr val="tx1"/>
-          </a:fontRef>
-        </p:style>
-      </p:cxnSp>
-      <p:cxnSp>
-        <p:nvCxnSpPr>
-          <p:cNvPr id="66" name="Straight Arrow Connector 65"/>
-          <p:cNvCxnSpPr>
-            <a:stCxn id="42" idx="3"/>
-            <a:endCxn id="47" idx="1"/>
-          </p:cNvCxnSpPr>
-          <p:nvPr/>
-        </p:nvCxnSpPr>
-        <p:spPr>
-          <a:xfrm>
-            <a:off x="5486458" y="1963186"/>
-            <a:ext cx="313277" cy="0"/>
-          </a:xfrm>
-          <a:prstGeom prst="straightConnector1">
-            <a:avLst/>
-          </a:prstGeom>
-          <a:ln w="12700">
-            <a:solidFill>
-              <a:schemeClr val="tx1"/>
-            </a:solidFill>
-            <a:tailEnd type="triangle" w="lg" len="lg"/>
-          </a:ln>
-        </p:spPr>
-        <p:style>
-          <a:lnRef idx="1">
-            <a:schemeClr val="accent1"/>
-          </a:lnRef>
-          <a:fillRef idx="0">
-            <a:schemeClr val="accent1"/>
-          </a:fillRef>
-          <a:effectRef idx="0">
-            <a:schemeClr val="accent1"/>
-          </a:effectRef>
-          <a:fontRef idx="minor">
-            <a:schemeClr val="tx1"/>
-          </a:fontRef>
-        </p:style>
-      </p:cxnSp>
-      <p:cxnSp>
-        <p:nvCxnSpPr>
-          <p:cNvPr id="68" name="Straight Arrow Connector 67"/>
-          <p:cNvCxnSpPr>
-            <a:stCxn id="47" idx="3"/>
-            <a:endCxn id="52" idx="1"/>
-          </p:cNvCxnSpPr>
-          <p:nvPr/>
-        </p:nvCxnSpPr>
-        <p:spPr>
-          <a:xfrm flipV="1">
-            <a:off x="7075060" y="1954973"/>
-            <a:ext cx="281792" cy="8213"/>
-          </a:xfrm>
-          <a:prstGeom prst="straightConnector1">
-            <a:avLst/>
-          </a:prstGeom>
-          <a:ln w="12700">
-            <a:solidFill>
-              <a:schemeClr val="tx1"/>
-            </a:solidFill>
-            <a:tailEnd type="triangle" w="lg" len="lg"/>
-          </a:ln>
-        </p:spPr>
-        <p:style>
-          <a:lnRef idx="1">
-            <a:schemeClr val="accent1"/>
-          </a:lnRef>
-          <a:fillRef idx="0">
-            <a:schemeClr val="accent1"/>
-          </a:fillRef>
-          <a:effectRef idx="0">
-            <a:schemeClr val="accent1"/>
-          </a:effectRef>
-          <a:fontRef idx="minor">
-            <a:schemeClr val="tx1"/>
-          </a:fontRef>
-        </p:style>
-      </p:cxnSp>
-      <p:sp>
-        <p:nvSpPr>
-          <p:cNvPr id="70" name="Can 69"/>
-          <p:cNvSpPr/>
-          <p:nvPr/>
-        </p:nvSpPr>
-        <p:spPr>
-          <a:xfrm>
-            <a:off x="2606100" y="301205"/>
-            <a:ext cx="1249776" cy="822960"/>
-          </a:xfrm>
-          <a:prstGeom prst="can">
-            <a:avLst/>
-          </a:prstGeom>
-          <a:solidFill>
-            <a:schemeClr val="tx2">
-              <a:alpha val="50000"/>
-            </a:schemeClr>
-          </a:solidFill>
-          <a:ln>
-            <a:solidFill>
-              <a:schemeClr val="bg1"/>
-            </a:solidFill>
-          </a:ln>
-        </p:spPr>
-        <p:style>
-          <a:lnRef idx="2">
-            <a:schemeClr val="accent1">
-              <a:shade val="50000"/>
-            </a:schemeClr>
-          </a:lnRef>
-          <a:fillRef idx="1">
-            <a:schemeClr val="accent1"/>
-          </a:fillRef>
-          <a:effectRef idx="0">
-            <a:schemeClr val="accent1"/>
-          </a:effectRef>
-          <a:fontRef idx="minor">
-            <a:schemeClr val="lt1"/>
-          </a:fontRef>
-        </p:style>
-        <p:txBody>
-          <a:bodyPr/>
-          <a:lstStyle/>
-          <a:p>
-            <a:pPr algn="ctr"/>
-            <a:r>
-              <a:rPr lang="en-US" sz="1600" dirty="0" smtClean="0">
-                <a:latin typeface="Open Sans Light"/>
-                <a:cs typeface="Open Sans Light"/>
-              </a:rPr>
-              <a:t>Artifactory</a:t>
-            </a:r>
-            <a:br>
-              <a:rPr lang="en-US" sz="1600" dirty="0" smtClean="0">
-                <a:latin typeface="Open Sans Light"/>
-                <a:cs typeface="Open Sans Light"/>
-              </a:rPr>
-            </a:br>
-            <a:r>
-              <a:rPr lang="en-US" sz="1600" dirty="0" smtClean="0">
-                <a:latin typeface="Open Sans Light"/>
-                <a:cs typeface="Open Sans Light"/>
-              </a:rPr>
-              <a:t>images</a:t>
-            </a:r>
-            <a:endParaRPr lang="en-US" sz="1600" dirty="0">
-              <a:latin typeface="Open Sans Light"/>
-              <a:cs typeface="Open Sans Light"/>
-            </a:endParaRPr>
-          </a:p>
-        </p:txBody>
-      </p:sp>
-      <p:cxnSp>
-        <p:nvCxnSpPr>
-          <p:cNvPr id="71" name="Straight Arrow Connector 70"/>
-          <p:cNvCxnSpPr>
-            <a:endCxn id="70" idx="3"/>
-          </p:cNvCxnSpPr>
-          <p:nvPr/>
-        </p:nvCxnSpPr>
-        <p:spPr>
-          <a:xfrm flipV="1">
-            <a:off x="3230988" y="1124165"/>
-            <a:ext cx="0" cy="572515"/>
-          </a:xfrm>
-          <a:prstGeom prst="straightConnector1">
-            <a:avLst/>
-          </a:prstGeom>
-          <a:ln w="25400">
-            <a:solidFill>
-              <a:schemeClr val="tx1">
-                <a:alpha val="50000"/>
-              </a:schemeClr>
-            </a:solidFill>
-            <a:tailEnd type="triangle" w="lg" len="lg"/>
-          </a:ln>
-        </p:spPr>
-        <p:style>
-          <a:lnRef idx="1">
-            <a:schemeClr val="accent1"/>
-          </a:lnRef>
-          <a:fillRef idx="0">
-            <a:schemeClr val="accent1"/>
-          </a:fillRef>
-          <a:effectRef idx="0">
-            <a:schemeClr val="accent1"/>
-          </a:effectRef>
-          <a:fontRef idx="minor">
-            <a:schemeClr val="tx1"/>
-          </a:fontRef>
-        </p:style>
-      </p:cxnSp>
-      <p:cxnSp>
-        <p:nvCxnSpPr>
-          <p:cNvPr id="76" name="Straight Arrow Connector 75"/>
-          <p:cNvCxnSpPr>
-            <a:stCxn id="70" idx="3"/>
-          </p:cNvCxnSpPr>
-          <p:nvPr/>
-        </p:nvCxnSpPr>
-        <p:spPr>
-          <a:xfrm>
-            <a:off x="3230988" y="1124165"/>
-            <a:ext cx="993366" cy="550355"/>
-          </a:xfrm>
-          <a:prstGeom prst="straightConnector1">
-            <a:avLst/>
-          </a:prstGeom>
-          <a:ln w="25400">
-            <a:solidFill>
-              <a:schemeClr val="tx1">
-                <a:alpha val="50000"/>
-              </a:schemeClr>
-            </a:solidFill>
-            <a:tailEnd type="triangle" w="lg" len="lg"/>
-          </a:ln>
-        </p:spPr>
-        <p:style>
-          <a:lnRef idx="1">
-            <a:schemeClr val="accent1"/>
-          </a:lnRef>
-          <a:fillRef idx="0">
-            <a:schemeClr val="accent1"/>
-          </a:fillRef>
-          <a:effectRef idx="0">
-            <a:schemeClr val="accent1"/>
-          </a:effectRef>
-          <a:fontRef idx="minor">
-            <a:schemeClr val="tx1"/>
-          </a:fontRef>
-        </p:style>
-      </p:cxnSp>
-      <p:sp>
-        <p:nvSpPr>
-          <p:cNvPr id="82" name="TextBox 81"/>
-          <p:cNvSpPr txBox="1"/>
-          <p:nvPr/>
-        </p:nvSpPr>
-        <p:spPr>
-          <a:xfrm>
-            <a:off x="631095" y="865683"/>
-            <a:ext cx="1478444" cy="830997"/>
-          </a:xfrm>
-          <a:prstGeom prst="rect">
-            <a:avLst/>
-          </a:prstGeom>
-          <a:noFill/>
-        </p:spPr>
-        <p:txBody>
-          <a:bodyPr wrap="square" rtlCol="0">
-            <a:spAutoFit/>
-          </a:bodyPr>
-          <a:lstStyle/>
-          <a:p>
-            <a:pPr marL="342900" indent="-342900">
-              <a:buFont typeface="+mj-lt"/>
-              <a:buAutoNum type="arabicPeriod"/>
-            </a:pPr>
-            <a:r>
-              <a:rPr lang="en-US" sz="1600" dirty="0" smtClean="0">
-                <a:latin typeface="Open Sans Light"/>
-                <a:cs typeface="Open Sans Light"/>
-              </a:rPr>
-              <a:t> </a:t>
-            </a:r>
-          </a:p>
-          <a:p>
-            <a:pPr marL="342900" indent="-342900">
-              <a:buFont typeface="+mj-lt"/>
-              <a:buAutoNum type="arabicPeriod"/>
-            </a:pPr>
-            <a:r>
-              <a:rPr lang="en-US" sz="1600" dirty="0" smtClean="0">
-                <a:latin typeface="Open Sans Light"/>
-                <a:cs typeface="Open Sans Light"/>
-              </a:rPr>
-              <a:t>commit, tag</a:t>
-            </a:r>
-          </a:p>
-        </p:txBody>
-      </p:sp>
-      <p:cxnSp>
-        <p:nvCxnSpPr>
-          <p:cNvPr id="89" name="Straight Arrow Connector 88"/>
-          <p:cNvCxnSpPr/>
-          <p:nvPr/>
-        </p:nvCxnSpPr>
-        <p:spPr>
-          <a:xfrm>
-            <a:off x="4649401" y="1144852"/>
-            <a:ext cx="0" cy="521455"/>
-          </a:xfrm>
-          <a:prstGeom prst="straightConnector1">
-            <a:avLst/>
-          </a:prstGeom>
-          <a:ln w="25400">
-            <a:solidFill>
-              <a:schemeClr val="tx1"/>
-            </a:solidFill>
-            <a:tailEnd type="triangle" w="lg" len="lg"/>
-          </a:ln>
-        </p:spPr>
-        <p:style>
-          <a:lnRef idx="1">
-            <a:schemeClr val="accent1"/>
-          </a:lnRef>
-          <a:fillRef idx="0">
-            <a:schemeClr val="accent1"/>
-          </a:fillRef>
-          <a:effectRef idx="0">
-            <a:schemeClr val="accent1"/>
-          </a:effectRef>
-          <a:fontRef idx="minor">
-            <a:schemeClr val="tx1"/>
-          </a:fontRef>
-        </p:style>
-      </p:cxnSp>
-      <p:sp>
-        <p:nvSpPr>
-          <p:cNvPr id="99" name="Rectangle 98"/>
-          <p:cNvSpPr/>
-          <p:nvPr/>
-        </p:nvSpPr>
-        <p:spPr>
-          <a:xfrm>
-            <a:off x="7199420" y="3379529"/>
-            <a:ext cx="1691936" cy="1323439"/>
-          </a:xfrm>
-          <a:prstGeom prst="rect">
-            <a:avLst/>
-          </a:prstGeom>
-        </p:spPr>
-        <p:txBody>
-          <a:bodyPr wrap="square">
-            <a:spAutoFit/>
-          </a:bodyPr>
-          <a:lstStyle/>
-          <a:p>
-            <a:pPr marL="342900" indent="-342900">
-              <a:buFont typeface="+mj-lt"/>
-              <a:buAutoNum type="arabicPeriod" startAt="17"/>
-            </a:pPr>
-            <a:r>
-              <a:rPr lang="en-US" sz="1600" dirty="0" smtClean="0">
-                <a:latin typeface="Open Sans Light"/>
-                <a:cs typeface="Open Sans Light"/>
-              </a:rPr>
-              <a:t>Logging</a:t>
-            </a:r>
-            <a:endParaRPr lang="en-US" sz="1600" dirty="0">
-              <a:latin typeface="Open Sans Light"/>
-              <a:cs typeface="Open Sans Light"/>
-            </a:endParaRPr>
-          </a:p>
-          <a:p>
-            <a:pPr marL="342900" indent="-342900">
-              <a:buFont typeface="+mj-lt"/>
-              <a:buAutoNum type="arabicPeriod" startAt="17"/>
-            </a:pPr>
-            <a:r>
-              <a:rPr lang="en-US" sz="1600" dirty="0">
-                <a:latin typeface="Open Sans Light"/>
-                <a:cs typeface="Open Sans Light"/>
-              </a:rPr>
-              <a:t>Monitoring</a:t>
-            </a:r>
-          </a:p>
-          <a:p>
-            <a:pPr marL="342900" indent="-342900">
-              <a:buFont typeface="+mj-lt"/>
-              <a:buAutoNum type="arabicPeriod" startAt="17"/>
-            </a:pPr>
-            <a:r>
-              <a:rPr lang="en-US" sz="1600" dirty="0" smtClean="0">
-                <a:latin typeface="Open Sans Light"/>
-                <a:cs typeface="Open Sans Light"/>
-              </a:rPr>
-              <a:t>Scaling</a:t>
-            </a:r>
-          </a:p>
-          <a:p>
-            <a:pPr marL="342900" indent="-342900">
-              <a:buFont typeface="+mj-lt"/>
-              <a:buAutoNum type="arabicPeriod" startAt="17"/>
-            </a:pPr>
-            <a:r>
-              <a:rPr lang="en-US" sz="1600" dirty="0" smtClean="0">
-                <a:latin typeface="Open Sans Light"/>
-                <a:cs typeface="Open Sans Light"/>
-              </a:rPr>
-              <a:t>Notification to Slack</a:t>
-            </a:r>
-            <a:endParaRPr lang="en-US" sz="1600" dirty="0">
-              <a:latin typeface="Open Sans Light"/>
-              <a:cs typeface="Open Sans Light"/>
-            </a:endParaRPr>
-          </a:p>
-        </p:txBody>
-      </p:sp>
-      <p:sp>
-        <p:nvSpPr>
-          <p:cNvPr id="100" name="Can 99"/>
-          <p:cNvSpPr/>
-          <p:nvPr/>
-        </p:nvSpPr>
-        <p:spPr>
-          <a:xfrm>
-            <a:off x="7364781" y="301205"/>
-            <a:ext cx="1249776" cy="822960"/>
-          </a:xfrm>
-          <a:prstGeom prst="can">
-            <a:avLst/>
-          </a:prstGeom>
-          <a:solidFill>
-            <a:schemeClr val="accent4"/>
-          </a:solidFill>
-          <a:ln>
-            <a:solidFill>
-              <a:schemeClr val="bg1"/>
-            </a:solidFill>
-          </a:ln>
-        </p:spPr>
-        <p:style>
-          <a:lnRef idx="2">
-            <a:schemeClr val="accent1">
-              <a:shade val="50000"/>
-            </a:schemeClr>
-          </a:lnRef>
-          <a:fillRef idx="1">
-            <a:schemeClr val="accent1"/>
-          </a:fillRef>
-          <a:effectRef idx="0">
-            <a:schemeClr val="accent1"/>
-          </a:effectRef>
-          <a:fontRef idx="minor">
-            <a:schemeClr val="lt1"/>
-          </a:fontRef>
-        </p:style>
-        <p:txBody>
-          <a:bodyPr/>
-          <a:lstStyle/>
-          <a:p>
-            <a:pPr algn="ctr"/>
-            <a:r>
-              <a:rPr lang="en-US" sz="1600" dirty="0" smtClean="0">
-                <a:latin typeface="Open Sans Light"/>
-                <a:cs typeface="Open Sans Light"/>
-              </a:rPr>
-              <a:t>on-server</a:t>
-            </a:r>
-            <a:br>
-              <a:rPr lang="en-US" sz="1600" dirty="0" smtClean="0">
-                <a:latin typeface="Open Sans Light"/>
-                <a:cs typeface="Open Sans Light"/>
-              </a:rPr>
-            </a:br>
-            <a:r>
-              <a:rPr lang="en-US" sz="1600" dirty="0" smtClean="0">
-                <a:latin typeface="Open Sans Light"/>
-                <a:cs typeface="Open Sans Light"/>
-              </a:rPr>
-              <a:t>databases</a:t>
-            </a:r>
-            <a:endParaRPr lang="en-US" sz="1600" dirty="0">
-              <a:latin typeface="Open Sans Light"/>
-              <a:cs typeface="Open Sans Light"/>
-            </a:endParaRPr>
-          </a:p>
-        </p:txBody>
-      </p:sp>
-      <p:cxnSp>
-        <p:nvCxnSpPr>
-          <p:cNvPr id="101" name="Straight Arrow Connector 100"/>
-          <p:cNvCxnSpPr>
-            <a:stCxn id="52" idx="0"/>
-            <a:endCxn id="100" idx="3"/>
-          </p:cNvCxnSpPr>
-          <p:nvPr/>
-        </p:nvCxnSpPr>
-        <p:spPr>
-          <a:xfrm flipH="1" flipV="1">
-            <a:off x="7989669" y="1124165"/>
-            <a:ext cx="4846" cy="542142"/>
-          </a:xfrm>
-          <a:prstGeom prst="straightConnector1">
-            <a:avLst/>
-          </a:prstGeom>
-          <a:ln w="25400">
-            <a:solidFill>
-              <a:schemeClr val="accent4"/>
-            </a:solidFill>
-            <a:tailEnd type="none" w="lg" len="lg"/>
-          </a:ln>
-        </p:spPr>
-        <p:style>
-          <a:lnRef idx="1">
-            <a:schemeClr val="accent1"/>
-          </a:lnRef>
-          <a:fillRef idx="0">
-            <a:schemeClr val="accent1"/>
-          </a:fillRef>
-          <a:effectRef idx="0">
-            <a:schemeClr val="accent1"/>
-          </a:effectRef>
-          <a:fontRef idx="minor">
-            <a:schemeClr val="tx1"/>
-          </a:fontRef>
-        </p:style>
-      </p:cxnSp>
-      <p:sp>
-        <p:nvSpPr>
-          <p:cNvPr id="106" name="TextBox 105"/>
-          <p:cNvSpPr txBox="1"/>
-          <p:nvPr/>
-        </p:nvSpPr>
-        <p:spPr>
-          <a:xfrm>
-            <a:off x="7199420" y="2662694"/>
-            <a:ext cx="1709983" cy="830997"/>
-          </a:xfrm>
-          <a:prstGeom prst="rect">
-            <a:avLst/>
-          </a:prstGeom>
-          <a:noFill/>
-        </p:spPr>
-        <p:txBody>
-          <a:bodyPr wrap="square" rtlCol="0">
-            <a:spAutoFit/>
-          </a:bodyPr>
-          <a:lstStyle/>
-          <a:p>
-            <a:pPr marL="342900" indent="-342900">
-              <a:buFont typeface="+mj-lt"/>
-              <a:buAutoNum type="arabicPeriod" startAt="16"/>
-            </a:pPr>
-            <a:r>
-              <a:rPr lang="en-US" sz="1600" dirty="0" smtClean="0">
-                <a:latin typeface="Open Sans Light"/>
-                <a:cs typeface="Open Sans Light"/>
-              </a:rPr>
-              <a:t>Functional smoke &amp; E2E test</a:t>
-            </a:r>
-          </a:p>
-        </p:txBody>
-      </p:sp>
-      <p:sp>
-        <p:nvSpPr>
-          <p:cNvPr id="107" name="TextBox 106"/>
-          <p:cNvSpPr txBox="1"/>
-          <p:nvPr/>
-        </p:nvSpPr>
-        <p:spPr>
-          <a:xfrm>
-            <a:off x="5756506" y="4044713"/>
-            <a:ext cx="1453409" cy="584776"/>
-          </a:xfrm>
-          <a:prstGeom prst="rect">
-            <a:avLst/>
-          </a:prstGeom>
-          <a:noFill/>
-        </p:spPr>
-        <p:txBody>
-          <a:bodyPr wrap="square" rtlCol="0">
-            <a:spAutoFit/>
-          </a:bodyPr>
-          <a:lstStyle/>
-          <a:p>
-            <a:pPr marL="342900" indent="-342900">
-              <a:buFont typeface="+mj-lt"/>
-              <a:buAutoNum type="arabicPeriod" startAt="15"/>
-            </a:pPr>
-            <a:r>
-              <a:rPr lang="en-US" sz="1600" dirty="0" smtClean="0">
-                <a:latin typeface="Open Sans Light"/>
-                <a:cs typeface="Open Sans Light"/>
-              </a:rPr>
-              <a:t>Run Docker</a:t>
-            </a:r>
-          </a:p>
-        </p:txBody>
-      </p:sp>
-      <p:sp>
-        <p:nvSpPr>
-          <p:cNvPr id="33" name="TextBox 32"/>
-          <p:cNvSpPr txBox="1"/>
-          <p:nvPr/>
-        </p:nvSpPr>
-        <p:spPr>
-          <a:xfrm>
-            <a:off x="872313" y="3803811"/>
-            <a:ext cx="2041181" cy="584776"/>
-          </a:xfrm>
-          <a:prstGeom prst="rect">
-            <a:avLst/>
-          </a:prstGeom>
-          <a:noFill/>
-        </p:spPr>
-        <p:txBody>
-          <a:bodyPr wrap="square" rtlCol="0">
-            <a:spAutoFit/>
-          </a:bodyPr>
-          <a:lstStyle/>
-          <a:p>
-            <a:pPr marL="342900" indent="-342900">
-              <a:buFont typeface="+mj-lt"/>
-              <a:buAutoNum type="arabicPeriod" startAt="6"/>
-            </a:pPr>
-            <a:r>
-              <a:rPr lang="en-US" sz="1600" dirty="0" smtClean="0">
-                <a:solidFill>
-                  <a:srgbClr val="000000"/>
-                </a:solidFill>
-                <a:latin typeface="Open Sans Light"/>
-                <a:cs typeface="Open Sans Light"/>
-              </a:rPr>
-              <a:t>Define Docker credentials in CI</a:t>
-            </a:r>
-            <a:endParaRPr lang="en-US" sz="1600" dirty="0">
-              <a:solidFill>
-                <a:srgbClr val="000000"/>
-              </a:solidFill>
-              <a:latin typeface="Open Sans Light"/>
-              <a:cs typeface="Open Sans Light"/>
-            </a:endParaRPr>
-          </a:p>
-        </p:txBody>
-      </p:sp>
-      <p:sp>
-        <p:nvSpPr>
-          <p:cNvPr id="36" name="TextBox 35"/>
-          <p:cNvSpPr txBox="1"/>
-          <p:nvPr/>
-        </p:nvSpPr>
-        <p:spPr>
-          <a:xfrm>
-            <a:off x="872313" y="4290935"/>
-            <a:ext cx="1879563" cy="338554"/>
-          </a:xfrm>
-          <a:prstGeom prst="rect">
-            <a:avLst/>
-          </a:prstGeom>
-          <a:noFill/>
-        </p:spPr>
-        <p:txBody>
-          <a:bodyPr wrap="square" rtlCol="0">
-            <a:spAutoFit/>
-          </a:bodyPr>
-          <a:lstStyle/>
-          <a:p>
-            <a:pPr marL="342900" indent="-342900">
-              <a:buFont typeface="+mj-lt"/>
-              <a:buAutoNum type="arabicPeriod" startAt="9"/>
-            </a:pPr>
-            <a:r>
-              <a:rPr lang="en-US" sz="1600" dirty="0" smtClean="0">
-                <a:solidFill>
-                  <a:srgbClr val="000000"/>
-                </a:solidFill>
-                <a:latin typeface="Open Sans Light"/>
-                <a:cs typeface="Open Sans Light"/>
-              </a:rPr>
-              <a:t>Invoke Docker</a:t>
-            </a:r>
-            <a:endParaRPr lang="en-US" sz="1600" dirty="0">
-              <a:solidFill>
-                <a:srgbClr val="000000"/>
-              </a:solidFill>
-              <a:latin typeface="Open Sans Light"/>
-              <a:cs typeface="Open Sans Light"/>
-            </a:endParaRPr>
-          </a:p>
-        </p:txBody>
-      </p:sp>
-      <p:cxnSp>
-        <p:nvCxnSpPr>
-          <p:cNvPr id="38" name="Straight Arrow Connector 37"/>
-          <p:cNvCxnSpPr>
-            <a:stCxn id="52" idx="0"/>
-            <a:endCxn id="37" idx="0"/>
-          </p:cNvCxnSpPr>
-          <p:nvPr/>
-        </p:nvCxnSpPr>
-        <p:spPr>
-          <a:xfrm flipH="1" flipV="1">
-            <a:off x="6424623" y="506945"/>
-            <a:ext cx="1569892" cy="1159362"/>
-          </a:xfrm>
-          <a:prstGeom prst="straightConnector1">
-            <a:avLst/>
-          </a:prstGeom>
-          <a:ln w="25400">
-            <a:solidFill>
-              <a:schemeClr val="accent4"/>
-            </a:solidFill>
-            <a:tailEnd type="none" w="lg" len="lg"/>
-          </a:ln>
-        </p:spPr>
-        <p:style>
-          <a:lnRef idx="1">
-            <a:schemeClr val="accent1"/>
-          </a:lnRef>
-          <a:fillRef idx="0">
-            <a:schemeClr val="accent1"/>
-          </a:fillRef>
-          <a:effectRef idx="0">
-            <a:schemeClr val="accent1"/>
-          </a:effectRef>
-          <a:fontRef idx="minor">
-            <a:schemeClr val="tx1"/>
-          </a:fontRef>
-        </p:style>
-      </p:cxnSp>
-      <p:sp>
-        <p:nvSpPr>
-          <p:cNvPr id="39" name="TextBox 38"/>
-          <p:cNvSpPr txBox="1"/>
-          <p:nvPr/>
-        </p:nvSpPr>
-        <p:spPr>
-          <a:xfrm>
-            <a:off x="872313" y="2788658"/>
-            <a:ext cx="1894248" cy="584776"/>
-          </a:xfrm>
-          <a:prstGeom prst="rect">
-            <a:avLst/>
-          </a:prstGeom>
-          <a:noFill/>
-        </p:spPr>
-        <p:txBody>
-          <a:bodyPr wrap="square" rtlCol="0">
-            <a:spAutoFit/>
-          </a:bodyPr>
-          <a:lstStyle/>
-          <a:p>
-            <a:pPr marL="342900" indent="-342900">
-              <a:buFont typeface="+mj-lt"/>
-              <a:buAutoNum type="arabicPeriod" startAt="4"/>
-            </a:pPr>
-            <a:r>
-              <a:rPr lang="en-US" sz="1600" dirty="0" smtClean="0">
-                <a:latin typeface="Open Sans Light"/>
-                <a:cs typeface="Open Sans Light"/>
-              </a:rPr>
-              <a:t>Config. Jenkins packages</a:t>
-            </a:r>
-          </a:p>
-        </p:txBody>
-      </p:sp>
-      <p:sp>
-        <p:nvSpPr>
-          <p:cNvPr id="40" name="TextBox 39"/>
-          <p:cNvSpPr txBox="1"/>
-          <p:nvPr/>
-        </p:nvSpPr>
-        <p:spPr>
-          <a:xfrm>
-            <a:off x="2038546" y="1370437"/>
-            <a:ext cx="1217086" cy="338554"/>
-          </a:xfrm>
-          <a:prstGeom prst="rect">
-            <a:avLst/>
-          </a:prstGeom>
-          <a:noFill/>
-        </p:spPr>
-        <p:txBody>
-          <a:bodyPr wrap="square" rtlCol="0">
-            <a:spAutoFit/>
-          </a:bodyPr>
-          <a:lstStyle/>
-          <a:p>
-            <a:pPr marL="342900" indent="-342900">
-              <a:buFont typeface="+mj-lt"/>
-              <a:buAutoNum type="arabicPeriod" startAt="8"/>
-            </a:pPr>
-            <a:r>
-              <a:rPr lang="en-US" sz="1600" dirty="0" smtClean="0">
-                <a:latin typeface="Open Sans Light"/>
-                <a:cs typeface="Open Sans Light"/>
-              </a:rPr>
-              <a:t>push</a:t>
-            </a:r>
-          </a:p>
-        </p:txBody>
-      </p:sp>
-      <p:sp>
-        <p:nvSpPr>
-          <p:cNvPr id="43" name="TextBox 42"/>
-          <p:cNvSpPr txBox="1"/>
-          <p:nvPr/>
-        </p:nvSpPr>
-        <p:spPr>
-          <a:xfrm>
-            <a:off x="5750393" y="1081870"/>
-            <a:ext cx="1453409" cy="338554"/>
-          </a:xfrm>
-          <a:prstGeom prst="rect">
-            <a:avLst/>
-          </a:prstGeom>
-          <a:noFill/>
-        </p:spPr>
-        <p:txBody>
-          <a:bodyPr wrap="square" rtlCol="0">
-            <a:spAutoFit/>
-          </a:bodyPr>
-          <a:lstStyle/>
-          <a:p>
-            <a:pPr marL="342900" indent="-342900">
-              <a:buFont typeface="+mj-lt"/>
-              <a:buAutoNum type="arabicPeriod" startAt="13"/>
-            </a:pPr>
-            <a:r>
-              <a:rPr lang="en-US" sz="1600" dirty="0" smtClean="0">
-                <a:latin typeface="Open Sans Light"/>
-                <a:cs typeface="Open Sans Light"/>
-              </a:rPr>
-              <a:t>Register</a:t>
-            </a:r>
-          </a:p>
-        </p:txBody>
-      </p:sp>
-      <p:sp>
-        <p:nvSpPr>
-          <p:cNvPr id="45" name="TextBox 44"/>
-          <p:cNvSpPr txBox="1"/>
-          <p:nvPr/>
-        </p:nvSpPr>
-        <p:spPr>
-          <a:xfrm>
-            <a:off x="872313" y="3306928"/>
-            <a:ext cx="1704048" cy="584776"/>
-          </a:xfrm>
-          <a:prstGeom prst="rect">
-            <a:avLst/>
-          </a:prstGeom>
-          <a:noFill/>
-        </p:spPr>
-        <p:txBody>
-          <a:bodyPr wrap="square" rtlCol="0">
-            <a:spAutoFit/>
-          </a:bodyPr>
-          <a:lstStyle/>
-          <a:p>
-            <a:pPr marL="342900" indent="-342900">
-              <a:buFont typeface="+mj-lt"/>
-              <a:buAutoNum type="arabicPeriod" startAt="5"/>
-            </a:pPr>
-            <a:r>
-              <a:rPr lang="en-US" sz="1600" dirty="0" smtClean="0">
-                <a:latin typeface="Open Sans Light"/>
-                <a:cs typeface="Open Sans Light"/>
-              </a:rPr>
-              <a:t>Checkout from GitHub</a:t>
-            </a:r>
-          </a:p>
-        </p:txBody>
-      </p:sp>
-      <p:sp>
-        <p:nvSpPr>
-          <p:cNvPr id="37" name="Can 36"/>
-          <p:cNvSpPr/>
-          <p:nvPr/>
-        </p:nvSpPr>
-        <p:spPr>
-          <a:xfrm>
-            <a:off x="5799735" y="301205"/>
-            <a:ext cx="1249776" cy="822960"/>
-          </a:xfrm>
-          <a:prstGeom prst="can">
-            <a:avLst/>
-          </a:prstGeom>
-          <a:solidFill>
-            <a:schemeClr val="accent4"/>
-          </a:solidFill>
-          <a:ln>
-            <a:solidFill>
-              <a:schemeClr val="bg1"/>
-            </a:solidFill>
-          </a:ln>
-        </p:spPr>
-        <p:style>
-          <a:lnRef idx="2">
-            <a:schemeClr val="accent1">
-              <a:shade val="50000"/>
-            </a:schemeClr>
-          </a:lnRef>
-          <a:fillRef idx="1">
-            <a:schemeClr val="accent1"/>
-          </a:fillRef>
-          <a:effectRef idx="0">
-            <a:schemeClr val="accent1"/>
-          </a:effectRef>
-          <a:fontRef idx="minor">
-            <a:schemeClr val="lt1"/>
-          </a:fontRef>
-        </p:style>
-        <p:txBody>
-          <a:bodyPr/>
-          <a:lstStyle/>
-          <a:p>
-            <a:pPr algn="ctr"/>
-            <a:r>
-              <a:rPr lang="en-US" sz="1600" dirty="0" smtClean="0">
-                <a:latin typeface="Open Sans Light"/>
-                <a:cs typeface="Open Sans Light"/>
-              </a:rPr>
-              <a:t>external</a:t>
-            </a:r>
-            <a:br>
-              <a:rPr lang="en-US" sz="1600" dirty="0" smtClean="0">
-                <a:latin typeface="Open Sans Light"/>
-                <a:cs typeface="Open Sans Light"/>
-              </a:rPr>
-            </a:br>
-            <a:r>
-              <a:rPr lang="en-US" sz="1600" dirty="0" smtClean="0">
-                <a:latin typeface="Open Sans Light"/>
-                <a:cs typeface="Open Sans Light"/>
-              </a:rPr>
-              <a:t>APIs &amp; DBs</a:t>
-            </a:r>
-            <a:endParaRPr lang="en-US" sz="1600" dirty="0">
-              <a:latin typeface="Open Sans Light"/>
-              <a:cs typeface="Open Sans Light"/>
-            </a:endParaRPr>
-          </a:p>
-        </p:txBody>
-      </p:sp>
-      <p:sp>
-        <p:nvSpPr>
-          <p:cNvPr id="48" name="TextBox 47"/>
-          <p:cNvSpPr txBox="1"/>
-          <p:nvPr/>
-        </p:nvSpPr>
-        <p:spPr>
-          <a:xfrm>
-            <a:off x="3398268" y="1131257"/>
-            <a:ext cx="1109224" cy="584776"/>
-          </a:xfrm>
-          <a:prstGeom prst="rect">
-            <a:avLst/>
-          </a:prstGeom>
-          <a:noFill/>
-        </p:spPr>
-        <p:txBody>
-          <a:bodyPr wrap="square" rtlCol="0">
-            <a:spAutoFit/>
-          </a:bodyPr>
-          <a:lstStyle/>
-          <a:p>
-            <a:r>
-              <a:rPr lang="en-US" sz="1600" dirty="0" smtClean="0">
-                <a:solidFill>
-                  <a:srgbClr val="A6A6A6"/>
-                </a:solidFill>
-                <a:latin typeface="Open Sans Light"/>
-                <a:cs typeface="Open Sans Light"/>
-              </a:rPr>
-              <a:t>Java </a:t>
-            </a:r>
-          </a:p>
-          <a:p>
-            <a:r>
-              <a:rPr lang="en-US" sz="1600" dirty="0" smtClean="0">
-                <a:solidFill>
-                  <a:srgbClr val="A6A6A6"/>
-                </a:solidFill>
-                <a:latin typeface="Open Sans Light"/>
-                <a:cs typeface="Open Sans Light"/>
-              </a:rPr>
-              <a:t>only</a:t>
-            </a:r>
-            <a:endParaRPr lang="en-US" sz="1600" dirty="0">
-              <a:solidFill>
-                <a:srgbClr val="A6A6A6"/>
-              </a:solidFill>
-              <a:latin typeface="Open Sans Light"/>
-              <a:cs typeface="Open Sans Light"/>
-            </a:endParaRPr>
-          </a:p>
-        </p:txBody>
-      </p:sp>
-    </p:spTree>
-    <p:extLst>
-      <p:ext uri="{BB962C8B-B14F-4D97-AF65-F5344CB8AC3E}">
-        <p14:creationId xmlns:p14="http://schemas.microsoft.com/office/powerpoint/2010/main" val="3314846025"/>
-      </p:ext>
-    </p:extLst>
-  </p:cSld>
-  <p:clrMapOvr>
-    <a:masterClrMapping/>
-  </p:clrMapOvr>
-  <p:timing>
-    <p:tnLst>
-      <p:par>
-        <p:cTn xmlns:p14="http://schemas.microsoft.com/office/powerpoint/2010/main" id="1" dur="indefinite" restart="never" nodeType="tmRoot">
-          <p:childTnLst>
-            <p:seq concurrent="1" nextAc="seek">
-              <p:cTn id="2" dur="indefinite" nodeType="mainSeq">
-                <p:childTnLst>
-                  <p:par>
-                    <p:cTn id="3" fill="hold">
-                      <p:stCondLst>
-                        <p:cond delay="indefinite"/>
-                      </p:stCondLst>
-                      <p:childTnLst>
-                        <p:par>
-                          <p:cTn id="4" fill="hold">
-                            <p:stCondLst>
-                              <p:cond delay="0"/>
-                            </p:stCondLst>
-                            <p:childTnLst>
-                              <p:par>
-                                <p:cTn id="5" presetID="1" presetClass="entr" presetSubtype="0" fill="hold" grpId="0" nodeType="clickEffect">
-                                  <p:stCondLst>
-                                    <p:cond delay="0"/>
-                                  </p:stCondLst>
-                                  <p:childTnLst>
-                                    <p:set>
-                                      <p:cBhvr>
-                                        <p:cTn id="6" dur="1" fill="hold">
-                                          <p:stCondLst>
-                                            <p:cond delay="0"/>
-                                          </p:stCondLst>
-                                        </p:cTn>
-                                        <p:tgtEl>
-                                          <p:spTgt spid="28"/>
-                                        </p:tgtEl>
-                                        <p:attrNameLst>
-                                          <p:attrName>style.visibility</p:attrName>
-                                        </p:attrNameLst>
-                                      </p:cBhvr>
-                                      <p:to>
-                                        <p:strVal val="visible"/>
-                                      </p:to>
-                                    </p:set>
-                                  </p:childTnLst>
-                                </p:cTn>
-                              </p:par>
-                              <p:par>
-                                <p:cTn id="7" presetID="1" presetClass="entr" presetSubtype="0" fill="hold" grpId="0" nodeType="withEffect">
-                                  <p:stCondLst>
-                                    <p:cond delay="0"/>
-                                  </p:stCondLst>
-                                  <p:childTnLst>
-                                    <p:set>
-                                      <p:cBhvr>
-                                        <p:cTn id="8" dur="1" fill="hold">
-                                          <p:stCondLst>
-                                            <p:cond delay="0"/>
-                                          </p:stCondLst>
-                                        </p:cTn>
-                                        <p:tgtEl>
-                                          <p:spTgt spid="82"/>
-                                        </p:tgtEl>
-                                        <p:attrNameLst>
-                                          <p:attrName>style.visibility</p:attrName>
-                                        </p:attrNameLst>
-                                      </p:cBhvr>
-                                      <p:to>
-                                        <p:strVal val="visible"/>
-                                      </p:to>
-                                    </p:set>
-                                  </p:childTnLst>
-                                </p:cTn>
-                              </p:par>
-                            </p:childTnLst>
-                          </p:cTn>
-                        </p:par>
-                      </p:childTnLst>
-                    </p:cTn>
-                  </p:par>
-                  <p:par>
-                    <p:cTn id="9" fill="hold">
-                      <p:stCondLst>
-                        <p:cond delay="indefinite"/>
-                      </p:stCondLst>
-                      <p:childTnLst>
-                        <p:par>
-                          <p:cTn id="10" fill="hold">
-                            <p:stCondLst>
-                              <p:cond delay="0"/>
-                            </p:stCondLst>
-                            <p:childTnLst>
-                              <p:par>
-                                <p:cTn id="11" presetID="1" presetClass="entr" presetSubtype="0" fill="hold" grpId="0" nodeType="clickEffect">
-                                  <p:stCondLst>
-                                    <p:cond delay="0"/>
-                                  </p:stCondLst>
-                                  <p:childTnLst>
-                                    <p:set>
-                                      <p:cBhvr>
-                                        <p:cTn id="12" dur="1" fill="hold">
-                                          <p:stCondLst>
-                                            <p:cond delay="0"/>
-                                          </p:stCondLst>
-                                        </p:cTn>
-                                        <p:tgtEl>
-                                          <p:spTgt spid="34"/>
-                                        </p:tgtEl>
-                                        <p:attrNameLst>
-                                          <p:attrName>style.visibility</p:attrName>
-                                        </p:attrNameLst>
-                                      </p:cBhvr>
-                                      <p:to>
-                                        <p:strVal val="visible"/>
-                                      </p:to>
-                                    </p:set>
-                                  </p:childTnLst>
-                                </p:cTn>
-                              </p:par>
-                              <p:par>
-                                <p:cTn id="13" presetID="1" presetClass="entr" presetSubtype="0" fill="hold" grpId="0" nodeType="withEffect">
-                                  <p:stCondLst>
-                                    <p:cond delay="0"/>
-                                  </p:stCondLst>
-                                  <p:childTnLst>
-                                    <p:set>
-                                      <p:cBhvr>
-                                        <p:cTn id="14" dur="1" fill="hold">
-                                          <p:stCondLst>
-                                            <p:cond delay="0"/>
-                                          </p:stCondLst>
-                                        </p:cTn>
-                                        <p:tgtEl>
-                                          <p:spTgt spid="46"/>
-                                        </p:tgtEl>
-                                        <p:attrNameLst>
-                                          <p:attrName>style.visibility</p:attrName>
-                                        </p:attrNameLst>
-                                      </p:cBhvr>
-                                      <p:to>
-                                        <p:strVal val="visible"/>
-                                      </p:to>
-                                    </p:set>
-                                  </p:childTnLst>
-                                </p:cTn>
-                              </p:par>
-                              <p:par>
-                                <p:cTn id="15" presetID="1" presetClass="entr" presetSubtype="0" fill="hold" nodeType="withEffect">
-                                  <p:stCondLst>
-                                    <p:cond delay="0"/>
-                                  </p:stCondLst>
-                                  <p:childTnLst>
-                                    <p:set>
-                                      <p:cBhvr>
-                                        <p:cTn id="16" dur="1" fill="hold">
-                                          <p:stCondLst>
-                                            <p:cond delay="0"/>
-                                          </p:stCondLst>
-                                        </p:cTn>
-                                        <p:tgtEl>
-                                          <p:spTgt spid="22"/>
-                                        </p:tgtEl>
-                                        <p:attrNameLst>
-                                          <p:attrName>style.visibility</p:attrName>
-                                        </p:attrNameLst>
-                                      </p:cBhvr>
-                                      <p:to>
-                                        <p:strVal val="visible"/>
-                                      </p:to>
-                                    </p:set>
-                                  </p:childTnLst>
-                                </p:cTn>
-                              </p:par>
-                              <p:par>
-                                <p:cTn id="17" presetID="1" presetClass="entr" presetSubtype="0" fill="hold" grpId="0" nodeType="withEffect">
-                                  <p:stCondLst>
-                                    <p:cond delay="0"/>
-                                  </p:stCondLst>
-                                  <p:childTnLst>
-                                    <p:set>
-                                      <p:cBhvr>
-                                        <p:cTn id="18" dur="1" fill="hold">
-                                          <p:stCondLst>
-                                            <p:cond delay="0"/>
-                                          </p:stCondLst>
-                                        </p:cTn>
-                                        <p:tgtEl>
-                                          <p:spTgt spid="41"/>
-                                        </p:tgtEl>
-                                        <p:attrNameLst>
-                                          <p:attrName>style.visibility</p:attrName>
-                                        </p:attrNameLst>
-                                      </p:cBhvr>
-                                      <p:to>
-                                        <p:strVal val="visible"/>
-                                      </p:to>
-                                    </p:set>
-                                  </p:childTnLst>
-                                </p:cTn>
-                              </p:par>
-                            </p:childTnLst>
-                          </p:cTn>
-                        </p:par>
-                      </p:childTnLst>
-                    </p:cTn>
-                  </p:par>
-                  <p:par>
-                    <p:cTn id="19" fill="hold">
-                      <p:stCondLst>
-                        <p:cond delay="indefinite"/>
-                      </p:stCondLst>
-                      <p:childTnLst>
-                        <p:par>
-                          <p:cTn id="20" fill="hold">
-                            <p:stCondLst>
-                              <p:cond delay="0"/>
-                            </p:stCondLst>
-                            <p:childTnLst>
-                              <p:par>
-                                <p:cTn id="21" presetID="1" presetClass="entr" presetSubtype="0" fill="hold" grpId="0" nodeType="clickEffect">
-                                  <p:stCondLst>
-                                    <p:cond delay="0"/>
-                                  </p:stCondLst>
-                                  <p:childTnLst>
-                                    <p:set>
-                                      <p:cBhvr>
-                                        <p:cTn id="22" dur="1" fill="hold">
-                                          <p:stCondLst>
-                                            <p:cond delay="0"/>
-                                          </p:stCondLst>
-                                        </p:cTn>
-                                        <p:tgtEl>
-                                          <p:spTgt spid="39">
-                                            <p:txEl>
-                                              <p:pRg st="0" end="0"/>
-                                            </p:txEl>
-                                          </p:spTgt>
-                                        </p:tgtEl>
-                                        <p:attrNameLst>
-                                          <p:attrName>style.visibility</p:attrName>
-                                        </p:attrNameLst>
-                                      </p:cBhvr>
-                                      <p:to>
-                                        <p:strVal val="visible"/>
-                                      </p:to>
-                                    </p:set>
-                                  </p:childTnLst>
-                                </p:cTn>
-                              </p:par>
-                            </p:childTnLst>
-                          </p:cTn>
-                        </p:par>
-                      </p:childTnLst>
-                    </p:cTn>
-                  </p:par>
-                  <p:par>
-                    <p:cTn id="23" fill="hold">
-                      <p:stCondLst>
-                        <p:cond delay="indefinite"/>
-                      </p:stCondLst>
-                      <p:childTnLst>
-                        <p:par>
-                          <p:cTn id="24" fill="hold">
-                            <p:stCondLst>
-                              <p:cond delay="0"/>
-                            </p:stCondLst>
-                            <p:childTnLst>
-                              <p:par>
-                                <p:cTn id="25" presetID="1" presetClass="entr" presetSubtype="0" fill="hold" grpId="0" nodeType="clickEffect">
-                                  <p:stCondLst>
-                                    <p:cond delay="0"/>
-                                  </p:stCondLst>
-                                  <p:childTnLst>
-                                    <p:set>
-                                      <p:cBhvr>
-                                        <p:cTn id="26" dur="1" fill="hold">
-                                          <p:stCondLst>
-                                            <p:cond delay="0"/>
-                                          </p:stCondLst>
-                                        </p:cTn>
-                                        <p:tgtEl>
-                                          <p:spTgt spid="45"/>
-                                        </p:tgtEl>
-                                        <p:attrNameLst>
-                                          <p:attrName>style.visibility</p:attrName>
-                                        </p:attrNameLst>
-                                      </p:cBhvr>
-                                      <p:to>
-                                        <p:strVal val="visible"/>
-                                      </p:to>
-                                    </p:set>
-                                  </p:childTnLst>
-                                </p:cTn>
-                              </p:par>
-                            </p:childTnLst>
-                          </p:cTn>
-                        </p:par>
-                      </p:childTnLst>
-                    </p:cTn>
-                  </p:par>
-                  <p:par>
-                    <p:cTn id="27" fill="hold">
-                      <p:stCondLst>
-                        <p:cond delay="indefinite"/>
-                      </p:stCondLst>
-                      <p:childTnLst>
-                        <p:par>
-                          <p:cTn id="28" fill="hold">
-                            <p:stCondLst>
-                              <p:cond delay="0"/>
-                            </p:stCondLst>
-                            <p:childTnLst>
-                              <p:par>
-                                <p:cTn id="29" presetID="1" presetClass="entr" presetSubtype="0" fill="hold" grpId="0" nodeType="clickEffect">
-                                  <p:stCondLst>
-                                    <p:cond delay="0"/>
-                                  </p:stCondLst>
-                                  <p:childTnLst>
-                                    <p:set>
-                                      <p:cBhvr>
-                                        <p:cTn id="30" dur="1" fill="hold">
-                                          <p:stCondLst>
-                                            <p:cond delay="0"/>
-                                          </p:stCondLst>
-                                        </p:cTn>
-                                        <p:tgtEl>
-                                          <p:spTgt spid="33"/>
-                                        </p:tgtEl>
-                                        <p:attrNameLst>
-                                          <p:attrName>style.visibility</p:attrName>
-                                        </p:attrNameLst>
-                                      </p:cBhvr>
-                                      <p:to>
-                                        <p:strVal val="visible"/>
-                                      </p:to>
-                                    </p:set>
-                                  </p:childTnLst>
-                                </p:cTn>
-                              </p:par>
-                            </p:childTnLst>
-                          </p:cTn>
-                        </p:par>
-                      </p:childTnLst>
-                    </p:cTn>
-                  </p:par>
-                  <p:par>
-                    <p:cTn id="31" fill="hold">
-                      <p:stCondLst>
-                        <p:cond delay="indefinite"/>
-                      </p:stCondLst>
-                      <p:childTnLst>
-                        <p:par>
-                          <p:cTn id="32" fill="hold">
-                            <p:stCondLst>
-                              <p:cond delay="0"/>
-                            </p:stCondLst>
-                            <p:childTnLst>
-                              <p:par>
-                                <p:cTn id="33" presetID="1" presetClass="entr" presetSubtype="0" fill="hold" grpId="0" nodeType="clickEffect">
-                                  <p:stCondLst>
-                                    <p:cond delay="0"/>
-                                  </p:stCondLst>
-                                  <p:childTnLst>
-                                    <p:set>
-                                      <p:cBhvr>
-                                        <p:cTn id="34" dur="1" fill="hold">
-                                          <p:stCondLst>
-                                            <p:cond delay="0"/>
-                                          </p:stCondLst>
-                                        </p:cTn>
-                                        <p:tgtEl>
-                                          <p:spTgt spid="70"/>
-                                        </p:tgtEl>
-                                        <p:attrNameLst>
-                                          <p:attrName>style.visibility</p:attrName>
-                                        </p:attrNameLst>
-                                      </p:cBhvr>
-                                      <p:to>
-                                        <p:strVal val="visible"/>
-                                      </p:to>
-                                    </p:set>
-                                  </p:childTnLst>
-                                </p:cTn>
-                              </p:par>
-                              <p:par>
-                                <p:cTn id="35" presetID="1" presetClass="entr" presetSubtype="0" fill="hold" nodeType="withEffect">
-                                  <p:stCondLst>
-                                    <p:cond delay="0"/>
-                                  </p:stCondLst>
-                                  <p:childTnLst>
-                                    <p:set>
-                                      <p:cBhvr>
-                                        <p:cTn id="36" dur="1" fill="hold">
-                                          <p:stCondLst>
-                                            <p:cond delay="0"/>
-                                          </p:stCondLst>
-                                        </p:cTn>
-                                        <p:tgtEl>
-                                          <p:spTgt spid="71"/>
-                                        </p:tgtEl>
-                                        <p:attrNameLst>
-                                          <p:attrName>style.visibility</p:attrName>
-                                        </p:attrNameLst>
-                                      </p:cBhvr>
-                                      <p:to>
-                                        <p:strVal val="visible"/>
-                                      </p:to>
-                                    </p:set>
-                                  </p:childTnLst>
-                                </p:cTn>
-                              </p:par>
-                              <p:par>
-                                <p:cTn id="37" presetID="1" presetClass="entr" presetSubtype="0" fill="hold" grpId="0" nodeType="withEffect">
-                                  <p:stCondLst>
-                                    <p:cond delay="0"/>
-                                  </p:stCondLst>
-                                  <p:childTnLst>
-                                    <p:set>
-                                      <p:cBhvr>
-                                        <p:cTn id="38" dur="1" fill="hold">
-                                          <p:stCondLst>
-                                            <p:cond delay="0"/>
-                                          </p:stCondLst>
-                                        </p:cTn>
-                                        <p:tgtEl>
-                                          <p:spTgt spid="56"/>
-                                        </p:tgtEl>
-                                        <p:attrNameLst>
-                                          <p:attrName>style.visibility</p:attrName>
-                                        </p:attrNameLst>
-                                      </p:cBhvr>
-                                      <p:to>
-                                        <p:strVal val="visible"/>
-                                      </p:to>
-                                    </p:set>
-                                  </p:childTnLst>
-                                </p:cTn>
-                              </p:par>
-                              <p:par>
-                                <p:cTn id="39" presetID="1" presetClass="entr" presetSubtype="0" fill="hold" grpId="0" nodeType="withEffect">
-                                  <p:stCondLst>
-                                    <p:cond delay="0"/>
-                                  </p:stCondLst>
-                                  <p:childTnLst>
-                                    <p:set>
-                                      <p:cBhvr>
-                                        <p:cTn id="40" dur="1" fill="hold">
-                                          <p:stCondLst>
-                                            <p:cond delay="0"/>
-                                          </p:stCondLst>
-                                        </p:cTn>
-                                        <p:tgtEl>
-                                          <p:spTgt spid="57"/>
-                                        </p:tgtEl>
-                                        <p:attrNameLst>
-                                          <p:attrName>style.visibility</p:attrName>
-                                        </p:attrNameLst>
-                                      </p:cBhvr>
-                                      <p:to>
-                                        <p:strVal val="visible"/>
-                                      </p:to>
-                                    </p:set>
-                                  </p:childTnLst>
-                                </p:cTn>
-                              </p:par>
-                            </p:childTnLst>
-                          </p:cTn>
-                        </p:par>
-                      </p:childTnLst>
-                    </p:cTn>
-                  </p:par>
-                  <p:par>
-                    <p:cTn id="41" fill="hold">
-                      <p:stCondLst>
-                        <p:cond delay="indefinite"/>
-                      </p:stCondLst>
-                      <p:childTnLst>
-                        <p:par>
-                          <p:cTn id="42" fill="hold">
-                            <p:stCondLst>
-                              <p:cond delay="0"/>
-                            </p:stCondLst>
-                            <p:childTnLst>
-                              <p:par>
-                                <p:cTn id="43" presetID="1" presetClass="entr" presetSubtype="0" fill="hold" grpId="0" nodeType="clickEffect">
-                                  <p:stCondLst>
-                                    <p:cond delay="0"/>
-                                  </p:stCondLst>
-                                  <p:childTnLst>
-                                    <p:set>
-                                      <p:cBhvr>
-                                        <p:cTn id="44" dur="1" fill="hold">
-                                          <p:stCondLst>
-                                            <p:cond delay="0"/>
-                                          </p:stCondLst>
-                                        </p:cTn>
-                                        <p:tgtEl>
-                                          <p:spTgt spid="40">
-                                            <p:txEl>
-                                              <p:pRg st="0" end="0"/>
-                                            </p:txEl>
-                                          </p:spTgt>
-                                        </p:tgtEl>
-                                        <p:attrNameLst>
-                                          <p:attrName>style.visibility</p:attrName>
-                                        </p:attrNameLst>
-                                      </p:cBhvr>
-                                      <p:to>
-                                        <p:strVal val="visible"/>
-                                      </p:to>
-                                    </p:set>
-                                  </p:childTnLst>
-                                </p:cTn>
-                              </p:par>
-                            </p:childTnLst>
-                          </p:cTn>
-                        </p:par>
-                      </p:childTnLst>
-                    </p:cTn>
-                  </p:par>
-                  <p:par>
-                    <p:cTn id="45" fill="hold">
-                      <p:stCondLst>
-                        <p:cond delay="indefinite"/>
-                      </p:stCondLst>
-                      <p:childTnLst>
-                        <p:par>
-                          <p:cTn id="46" fill="hold">
-                            <p:stCondLst>
-                              <p:cond delay="0"/>
-                            </p:stCondLst>
-                            <p:childTnLst>
-                              <p:par>
-                                <p:cTn id="47" presetID="1" presetClass="entr" presetSubtype="0" fill="hold" grpId="0" nodeType="clickEffect">
-                                  <p:stCondLst>
-                                    <p:cond delay="0"/>
-                                  </p:stCondLst>
-                                  <p:childTnLst>
-                                    <p:set>
-                                      <p:cBhvr>
-                                        <p:cTn id="48" dur="1" fill="hold">
-                                          <p:stCondLst>
-                                            <p:cond delay="0"/>
-                                          </p:stCondLst>
-                                        </p:cTn>
-                                        <p:tgtEl>
-                                          <p:spTgt spid="36"/>
-                                        </p:tgtEl>
-                                        <p:attrNameLst>
-                                          <p:attrName>style.visibility</p:attrName>
-                                        </p:attrNameLst>
-                                      </p:cBhvr>
-                                      <p:to>
-                                        <p:strVal val="visible"/>
-                                      </p:to>
-                                    </p:set>
-                                  </p:childTnLst>
-                                </p:cTn>
-                              </p:par>
-                            </p:childTnLst>
-                          </p:cTn>
-                        </p:par>
-                      </p:childTnLst>
-                    </p:cTn>
-                  </p:par>
-                  <p:par>
-                    <p:cTn id="49" fill="hold">
-                      <p:stCondLst>
-                        <p:cond delay="indefinite"/>
-                      </p:stCondLst>
-                      <p:childTnLst>
-                        <p:par>
-                          <p:cTn id="50" fill="hold">
-                            <p:stCondLst>
-                              <p:cond delay="0"/>
-                            </p:stCondLst>
-                            <p:childTnLst>
-                              <p:par>
-                                <p:cTn id="51" presetID="1" presetClass="entr" presetSubtype="0" fill="hold" nodeType="clickEffect">
-                                  <p:stCondLst>
-                                    <p:cond delay="0"/>
-                                  </p:stCondLst>
-                                  <p:childTnLst>
-                                    <p:set>
-                                      <p:cBhvr>
-                                        <p:cTn id="52" dur="1" fill="hold">
-                                          <p:stCondLst>
-                                            <p:cond delay="0"/>
-                                          </p:stCondLst>
-                                        </p:cTn>
-                                        <p:tgtEl>
-                                          <p:spTgt spid="61"/>
-                                        </p:tgtEl>
-                                        <p:attrNameLst>
-                                          <p:attrName>style.visibility</p:attrName>
-                                        </p:attrNameLst>
-                                      </p:cBhvr>
-                                      <p:to>
-                                        <p:strVal val="visible"/>
-                                      </p:to>
-                                    </p:set>
-                                  </p:childTnLst>
-                                </p:cTn>
-                              </p:par>
-                              <p:par>
-                                <p:cTn id="53" presetID="1" presetClass="entr" presetSubtype="0" fill="hold" grpId="0" nodeType="withEffect">
-                                  <p:stCondLst>
-                                    <p:cond delay="0"/>
-                                  </p:stCondLst>
-                                  <p:childTnLst>
-                                    <p:set>
-                                      <p:cBhvr>
-                                        <p:cTn id="54" dur="1" fill="hold">
-                                          <p:stCondLst>
-                                            <p:cond delay="0"/>
-                                          </p:stCondLst>
-                                        </p:cTn>
-                                        <p:tgtEl>
-                                          <p:spTgt spid="42"/>
-                                        </p:tgtEl>
-                                        <p:attrNameLst>
-                                          <p:attrName>style.visibility</p:attrName>
-                                        </p:attrNameLst>
-                                      </p:cBhvr>
-                                      <p:to>
-                                        <p:strVal val="visible"/>
-                                      </p:to>
-                                    </p:set>
-                                  </p:childTnLst>
-                                </p:cTn>
-                              </p:par>
-                              <p:par>
-                                <p:cTn id="55" presetID="1" presetClass="entr" presetSubtype="0" fill="hold" nodeType="withEffect">
-                                  <p:stCondLst>
-                                    <p:cond delay="0"/>
-                                  </p:stCondLst>
-                                  <p:childTnLst>
-                                    <p:set>
-                                      <p:cBhvr>
-                                        <p:cTn id="56" dur="1" fill="hold">
-                                          <p:stCondLst>
-                                            <p:cond delay="0"/>
-                                          </p:stCondLst>
-                                        </p:cTn>
-                                        <p:tgtEl>
-                                          <p:spTgt spid="76"/>
-                                        </p:tgtEl>
-                                        <p:attrNameLst>
-                                          <p:attrName>style.visibility</p:attrName>
-                                        </p:attrNameLst>
-                                      </p:cBhvr>
-                                      <p:to>
-                                        <p:strVal val="visible"/>
-                                      </p:to>
-                                    </p:set>
-                                  </p:childTnLst>
-                                </p:cTn>
-                              </p:par>
-                              <p:par>
-                                <p:cTn id="57" presetID="1" presetClass="entr" presetSubtype="0" fill="hold" nodeType="withEffect">
-                                  <p:stCondLst>
-                                    <p:cond delay="0"/>
-                                  </p:stCondLst>
-                                  <p:childTnLst>
-                                    <p:set>
-                                      <p:cBhvr>
-                                        <p:cTn id="58" dur="1" fill="hold">
-                                          <p:stCondLst>
-                                            <p:cond delay="0"/>
-                                          </p:stCondLst>
-                                        </p:cTn>
-                                        <p:tgtEl>
-                                          <p:spTgt spid="89"/>
-                                        </p:tgtEl>
-                                        <p:attrNameLst>
-                                          <p:attrName>style.visibility</p:attrName>
-                                        </p:attrNameLst>
-                                      </p:cBhvr>
-                                      <p:to>
-                                        <p:strVal val="visible"/>
-                                      </p:to>
-                                    </p:set>
-                                  </p:childTnLst>
-                                </p:cTn>
-                              </p:par>
-                              <p:par>
-                                <p:cTn id="59" presetID="1" presetClass="entr" presetSubtype="0" fill="hold" grpId="0" nodeType="withEffect">
-                                  <p:stCondLst>
-                                    <p:cond delay="0"/>
-                                  </p:stCondLst>
-                                  <p:childTnLst>
-                                    <p:set>
-                                      <p:cBhvr>
-                                        <p:cTn id="60" dur="1" fill="hold">
-                                          <p:stCondLst>
-                                            <p:cond delay="0"/>
-                                          </p:stCondLst>
-                                        </p:cTn>
-                                        <p:tgtEl>
-                                          <p:spTgt spid="23"/>
-                                        </p:tgtEl>
-                                        <p:attrNameLst>
-                                          <p:attrName>style.visibility</p:attrName>
-                                        </p:attrNameLst>
-                                      </p:cBhvr>
-                                      <p:to>
-                                        <p:strVal val="visible"/>
-                                      </p:to>
-                                    </p:set>
-                                  </p:childTnLst>
-                                </p:cTn>
-                              </p:par>
-                              <p:par>
-                                <p:cTn id="61" presetID="1" presetClass="entr" presetSubtype="0" fill="hold" grpId="0" nodeType="withEffect">
-                                  <p:stCondLst>
-                                    <p:cond delay="0"/>
-                                  </p:stCondLst>
-                                  <p:childTnLst>
-                                    <p:set>
-                                      <p:cBhvr>
-                                        <p:cTn id="62" dur="1" fill="hold">
-                                          <p:stCondLst>
-                                            <p:cond delay="0"/>
-                                          </p:stCondLst>
-                                        </p:cTn>
-                                        <p:tgtEl>
-                                          <p:spTgt spid="44"/>
-                                        </p:tgtEl>
-                                        <p:attrNameLst>
-                                          <p:attrName>style.visibility</p:attrName>
-                                        </p:attrNameLst>
-                                      </p:cBhvr>
-                                      <p:to>
-                                        <p:strVal val="visible"/>
-                                      </p:to>
-                                    </p:set>
-                                  </p:childTnLst>
-                                </p:cTn>
-                              </p:par>
-                            </p:childTnLst>
-                          </p:cTn>
-                        </p:par>
-                        <p:par>
-                          <p:cTn id="63" fill="hold">
-                            <p:stCondLst>
-                              <p:cond delay="0"/>
-                            </p:stCondLst>
-                            <p:childTnLst>
-                              <p:par>
-                                <p:cTn id="64" presetID="1" presetClass="entr" presetSubtype="0" fill="hold" nodeType="afterEffect">
-                                  <p:stCondLst>
-                                    <p:cond delay="0"/>
-                                  </p:stCondLst>
-                                  <p:childTnLst>
-                                    <p:set>
-                                      <p:cBhvr>
-                                        <p:cTn id="65" dur="1" fill="hold">
-                                          <p:stCondLst>
-                                            <p:cond delay="0"/>
-                                          </p:stCondLst>
-                                        </p:cTn>
-                                        <p:tgtEl>
-                                          <p:spTgt spid="29"/>
-                                        </p:tgtEl>
-                                        <p:attrNameLst>
-                                          <p:attrName>style.visibility</p:attrName>
-                                        </p:attrNameLst>
-                                      </p:cBhvr>
-                                      <p:to>
-                                        <p:strVal val="visible"/>
-                                      </p:to>
-                                    </p:set>
-                                  </p:childTnLst>
-                                </p:cTn>
-                              </p:par>
-                            </p:childTnLst>
-                          </p:cTn>
-                        </p:par>
-                      </p:childTnLst>
-                    </p:cTn>
-                  </p:par>
-                  <p:par>
-                    <p:cTn id="66" fill="hold">
-                      <p:stCondLst>
-                        <p:cond delay="indefinite"/>
-                      </p:stCondLst>
-                      <p:childTnLst>
-                        <p:par>
-                          <p:cTn id="67" fill="hold">
-                            <p:stCondLst>
-                              <p:cond delay="0"/>
-                            </p:stCondLst>
-                            <p:childTnLst>
-                              <p:par>
-                                <p:cTn id="68" presetID="1" presetClass="entr" presetSubtype="0" fill="hold" grpId="0" nodeType="clickEffect">
-                                  <p:stCondLst>
-                                    <p:cond delay="0"/>
-                                  </p:stCondLst>
-                                  <p:childTnLst>
-                                    <p:set>
-                                      <p:cBhvr>
-                                        <p:cTn id="69" dur="1" fill="hold">
-                                          <p:stCondLst>
-                                            <p:cond delay="0"/>
-                                          </p:stCondLst>
-                                        </p:cTn>
-                                        <p:tgtEl>
-                                          <p:spTgt spid="47"/>
-                                        </p:tgtEl>
-                                        <p:attrNameLst>
-                                          <p:attrName>style.visibility</p:attrName>
-                                        </p:attrNameLst>
-                                      </p:cBhvr>
-                                      <p:to>
-                                        <p:strVal val="visible"/>
-                                      </p:to>
-                                    </p:set>
-                                  </p:childTnLst>
-                                </p:cTn>
-                              </p:par>
-                              <p:par>
-                                <p:cTn id="70" presetID="1" presetClass="entr" presetSubtype="0" fill="hold" nodeType="withEffect">
-                                  <p:stCondLst>
-                                    <p:cond delay="0"/>
-                                  </p:stCondLst>
-                                  <p:childTnLst>
-                                    <p:set>
-                                      <p:cBhvr>
-                                        <p:cTn id="71" dur="1" fill="hold">
-                                          <p:stCondLst>
-                                            <p:cond delay="0"/>
-                                          </p:stCondLst>
-                                        </p:cTn>
-                                        <p:tgtEl>
-                                          <p:spTgt spid="66"/>
-                                        </p:tgtEl>
-                                        <p:attrNameLst>
-                                          <p:attrName>style.visibility</p:attrName>
-                                        </p:attrNameLst>
-                                      </p:cBhvr>
-                                      <p:to>
-                                        <p:strVal val="visible"/>
-                                      </p:to>
-                                    </p:set>
-                                  </p:childTnLst>
-                                </p:cTn>
-                              </p:par>
-                              <p:par>
-                                <p:cTn id="72" presetID="1" presetClass="entr" presetSubtype="0" fill="hold" nodeType="withEffect">
-                                  <p:stCondLst>
-                                    <p:cond delay="0"/>
-                                  </p:stCondLst>
-                                  <p:childTnLst>
-                                    <p:set>
-                                      <p:cBhvr>
-                                        <p:cTn id="73" dur="1" fill="hold">
-                                          <p:stCondLst>
-                                            <p:cond delay="0"/>
-                                          </p:stCondLst>
-                                        </p:cTn>
-                                        <p:tgtEl>
-                                          <p:spTgt spid="51"/>
-                                        </p:tgtEl>
-                                        <p:attrNameLst>
-                                          <p:attrName>style.visibility</p:attrName>
-                                        </p:attrNameLst>
-                                      </p:cBhvr>
-                                      <p:to>
-                                        <p:strVal val="visible"/>
-                                      </p:to>
-                                    </p:set>
-                                  </p:childTnLst>
-                                </p:cTn>
-                              </p:par>
-                              <p:par>
-                                <p:cTn id="74" presetID="1" presetClass="entr" presetSubtype="0" fill="hold" grpId="0" nodeType="withEffect">
-                                  <p:stCondLst>
-                                    <p:cond delay="0"/>
-                                  </p:stCondLst>
-                                  <p:childTnLst>
-                                    <p:set>
-                                      <p:cBhvr>
-                                        <p:cTn id="75" dur="1" fill="hold">
-                                          <p:stCondLst>
-                                            <p:cond delay="0"/>
-                                          </p:stCondLst>
-                                        </p:cTn>
-                                        <p:tgtEl>
-                                          <p:spTgt spid="50">
-                                            <p:txEl>
-                                              <p:pRg st="0" end="0"/>
-                                            </p:txEl>
-                                          </p:spTgt>
-                                        </p:tgtEl>
-                                        <p:attrNameLst>
-                                          <p:attrName>style.visibility</p:attrName>
-                                        </p:attrNameLst>
-                                      </p:cBhvr>
-                                      <p:to>
-                                        <p:strVal val="visible"/>
-                                      </p:to>
-                                    </p:set>
-                                  </p:childTnLst>
-                                </p:cTn>
-                              </p:par>
-                            </p:childTnLst>
-                          </p:cTn>
-                        </p:par>
-                      </p:childTnLst>
-                    </p:cTn>
-                  </p:par>
-                  <p:par>
-                    <p:cTn id="76" fill="hold">
-                      <p:stCondLst>
-                        <p:cond delay="indefinite"/>
-                      </p:stCondLst>
-                      <p:childTnLst>
-                        <p:par>
-                          <p:cTn id="77" fill="hold">
-                            <p:stCondLst>
-                              <p:cond delay="0"/>
-                            </p:stCondLst>
-                            <p:childTnLst>
-                              <p:par>
-                                <p:cTn id="78" presetID="1" presetClass="entr" presetSubtype="0" fill="hold" grpId="0" nodeType="clickEffect">
-                                  <p:stCondLst>
-                                    <p:cond delay="0"/>
-                                  </p:stCondLst>
-                                  <p:childTnLst>
-                                    <p:set>
-                                      <p:cBhvr>
-                                        <p:cTn id="79" dur="1" fill="hold">
-                                          <p:stCondLst>
-                                            <p:cond delay="0"/>
-                                          </p:stCondLst>
-                                        </p:cTn>
-                                        <p:tgtEl>
-                                          <p:spTgt spid="43"/>
-                                        </p:tgtEl>
-                                        <p:attrNameLst>
-                                          <p:attrName>style.visibility</p:attrName>
-                                        </p:attrNameLst>
-                                      </p:cBhvr>
-                                      <p:to>
-                                        <p:strVal val="visible"/>
-                                      </p:to>
-                                    </p:set>
-                                  </p:childTnLst>
-                                </p:cTn>
-                              </p:par>
-                              <p:par>
-                                <p:cTn id="80" presetID="1" presetClass="entr" presetSubtype="0" fill="hold" grpId="0" nodeType="withEffect">
-                                  <p:stCondLst>
-                                    <p:cond delay="0"/>
-                                  </p:stCondLst>
-                                  <p:childTnLst>
-                                    <p:set>
-                                      <p:cBhvr>
-                                        <p:cTn id="81" dur="1" fill="hold">
-                                          <p:stCondLst>
-                                            <p:cond delay="0"/>
-                                          </p:stCondLst>
-                                        </p:cTn>
-                                        <p:tgtEl>
-                                          <p:spTgt spid="37"/>
-                                        </p:tgtEl>
-                                        <p:attrNameLst>
-                                          <p:attrName>style.visibility</p:attrName>
-                                        </p:attrNameLst>
-                                      </p:cBhvr>
-                                      <p:to>
-                                        <p:strVal val="visible"/>
-                                      </p:to>
-                                    </p:set>
-                                  </p:childTnLst>
-                                </p:cTn>
-                              </p:par>
-                            </p:childTnLst>
-                          </p:cTn>
-                        </p:par>
-                      </p:childTnLst>
-                    </p:cTn>
-                  </p:par>
-                  <p:par>
-                    <p:cTn id="82" fill="hold">
-                      <p:stCondLst>
-                        <p:cond delay="indefinite"/>
-                      </p:stCondLst>
-                      <p:childTnLst>
-                        <p:par>
-                          <p:cTn id="83" fill="hold">
-                            <p:stCondLst>
-                              <p:cond delay="0"/>
-                            </p:stCondLst>
-                            <p:childTnLst>
-                              <p:par>
-                                <p:cTn id="84" presetID="1" presetClass="entr" presetSubtype="0" fill="hold" grpId="0" nodeType="clickEffect">
-                                  <p:stCondLst>
-                                    <p:cond delay="0"/>
-                                  </p:stCondLst>
-                                  <p:childTnLst>
-                                    <p:set>
-                                      <p:cBhvr>
-                                        <p:cTn id="85" dur="1" fill="hold">
-                                          <p:stCondLst>
-                                            <p:cond delay="0"/>
-                                          </p:stCondLst>
-                                        </p:cTn>
-                                        <p:tgtEl>
-                                          <p:spTgt spid="52"/>
-                                        </p:tgtEl>
-                                        <p:attrNameLst>
-                                          <p:attrName>style.visibility</p:attrName>
-                                        </p:attrNameLst>
-                                      </p:cBhvr>
-                                      <p:to>
-                                        <p:strVal val="visible"/>
-                                      </p:to>
-                                    </p:set>
-                                  </p:childTnLst>
-                                </p:cTn>
-                              </p:par>
-                              <p:par>
-                                <p:cTn id="86" presetID="1" presetClass="entr" presetSubtype="0" fill="hold" grpId="0" nodeType="withEffect">
-                                  <p:stCondLst>
-                                    <p:cond delay="0"/>
-                                  </p:stCondLst>
-                                  <p:childTnLst>
-                                    <p:set>
-                                      <p:cBhvr>
-                                        <p:cTn id="87" dur="1" fill="hold">
-                                          <p:stCondLst>
-                                            <p:cond delay="0"/>
-                                          </p:stCondLst>
-                                        </p:cTn>
-                                        <p:tgtEl>
-                                          <p:spTgt spid="54"/>
-                                        </p:tgtEl>
-                                        <p:attrNameLst>
-                                          <p:attrName>style.visibility</p:attrName>
-                                        </p:attrNameLst>
-                                      </p:cBhvr>
-                                      <p:to>
-                                        <p:strVal val="visible"/>
-                                      </p:to>
-                                    </p:set>
-                                  </p:childTnLst>
-                                </p:cTn>
-                              </p:par>
-                              <p:par>
-                                <p:cTn id="88" presetID="1" presetClass="entr" presetSubtype="0" fill="hold" nodeType="withEffect">
-                                  <p:stCondLst>
-                                    <p:cond delay="0"/>
-                                  </p:stCondLst>
-                                  <p:childTnLst>
-                                    <p:set>
-                                      <p:cBhvr>
-                                        <p:cTn id="89" dur="1" fill="hold">
-                                          <p:stCondLst>
-                                            <p:cond delay="0"/>
-                                          </p:stCondLst>
-                                        </p:cTn>
-                                        <p:tgtEl>
-                                          <p:spTgt spid="68"/>
-                                        </p:tgtEl>
-                                        <p:attrNameLst>
-                                          <p:attrName>style.visibility</p:attrName>
-                                        </p:attrNameLst>
-                                      </p:cBhvr>
-                                      <p:to>
-                                        <p:strVal val="visible"/>
-                                      </p:to>
-                                    </p:set>
-                                  </p:childTnLst>
-                                </p:cTn>
-                              </p:par>
-                            </p:childTnLst>
-                          </p:cTn>
-                        </p:par>
-                      </p:childTnLst>
-                    </p:cTn>
-                  </p:par>
-                  <p:par>
-                    <p:cTn id="90" fill="hold">
-                      <p:stCondLst>
-                        <p:cond delay="indefinite"/>
-                      </p:stCondLst>
-                      <p:childTnLst>
-                        <p:par>
-                          <p:cTn id="91" fill="hold">
-                            <p:stCondLst>
-                              <p:cond delay="0"/>
-                            </p:stCondLst>
-                            <p:childTnLst>
-                              <p:par>
-                                <p:cTn id="92" presetID="1" presetClass="entr" presetSubtype="0" fill="hold" grpId="0" nodeType="clickEffect">
-                                  <p:stCondLst>
-                                    <p:cond delay="0"/>
-                                  </p:stCondLst>
-                                  <p:childTnLst>
-                                    <p:set>
-                                      <p:cBhvr>
-                                        <p:cTn id="93" dur="1" fill="hold">
-                                          <p:stCondLst>
-                                            <p:cond delay="0"/>
-                                          </p:stCondLst>
-                                        </p:cTn>
-                                        <p:tgtEl>
-                                          <p:spTgt spid="107"/>
-                                        </p:tgtEl>
-                                        <p:attrNameLst>
-                                          <p:attrName>style.visibility</p:attrName>
-                                        </p:attrNameLst>
-                                      </p:cBhvr>
-                                      <p:to>
-                                        <p:strVal val="visible"/>
-                                      </p:to>
-                                    </p:set>
-                                  </p:childTnLst>
-                                </p:cTn>
-                              </p:par>
-                              <p:par>
-                                <p:cTn id="94" presetID="1" presetClass="entr" presetSubtype="0" fill="hold" grpId="0" nodeType="withEffect">
-                                  <p:stCondLst>
-                                    <p:cond delay="0"/>
-                                  </p:stCondLst>
-                                  <p:childTnLst>
-                                    <p:set>
-                                      <p:cBhvr>
-                                        <p:cTn id="95" dur="1" fill="hold">
-                                          <p:stCondLst>
-                                            <p:cond delay="0"/>
-                                          </p:stCondLst>
-                                        </p:cTn>
-                                        <p:tgtEl>
-                                          <p:spTgt spid="100"/>
-                                        </p:tgtEl>
-                                        <p:attrNameLst>
-                                          <p:attrName>style.visibility</p:attrName>
-                                        </p:attrNameLst>
-                                      </p:cBhvr>
-                                      <p:to>
-                                        <p:strVal val="visible"/>
-                                      </p:to>
-                                    </p:set>
-                                  </p:childTnLst>
-                                </p:cTn>
-                              </p:par>
-                            </p:childTnLst>
-                          </p:cTn>
-                        </p:par>
-                        <p:par>
-                          <p:cTn id="96" fill="hold">
-                            <p:stCondLst>
-                              <p:cond delay="0"/>
-                            </p:stCondLst>
-                            <p:childTnLst>
-                              <p:par>
-                                <p:cTn id="97" presetID="1" presetClass="entr" presetSubtype="0" fill="hold" nodeType="afterEffect">
-                                  <p:stCondLst>
-                                    <p:cond delay="0"/>
-                                  </p:stCondLst>
-                                  <p:childTnLst>
-                                    <p:set>
-                                      <p:cBhvr>
-                                        <p:cTn id="98" dur="1" fill="hold">
-                                          <p:stCondLst>
-                                            <p:cond delay="0"/>
-                                          </p:stCondLst>
-                                        </p:cTn>
-                                        <p:tgtEl>
-                                          <p:spTgt spid="101"/>
-                                        </p:tgtEl>
-                                        <p:attrNameLst>
-                                          <p:attrName>style.visibility</p:attrName>
-                                        </p:attrNameLst>
-                                      </p:cBhvr>
-                                      <p:to>
-                                        <p:strVal val="visible"/>
-                                      </p:to>
-                                    </p:set>
-                                  </p:childTnLst>
-                                </p:cTn>
-                              </p:par>
-                            </p:childTnLst>
-                          </p:cTn>
-                        </p:par>
-                      </p:childTnLst>
-                    </p:cTn>
-                  </p:par>
-                  <p:par>
-                    <p:cTn id="99" fill="hold">
-                      <p:stCondLst>
-                        <p:cond delay="indefinite"/>
-                      </p:stCondLst>
-                      <p:childTnLst>
-                        <p:par>
-                          <p:cTn id="100" fill="hold">
-                            <p:stCondLst>
-                              <p:cond delay="0"/>
-                            </p:stCondLst>
-                            <p:childTnLst>
-                              <p:par>
-                                <p:cTn id="101" presetID="1" presetClass="entr" presetSubtype="0" fill="hold" grpId="0" nodeType="clickEffect">
-                                  <p:stCondLst>
-                                    <p:cond delay="0"/>
-                                  </p:stCondLst>
-                                  <p:childTnLst>
-                                    <p:set>
-                                      <p:cBhvr>
-                                        <p:cTn id="102" dur="1" fill="hold">
-                                          <p:stCondLst>
-                                            <p:cond delay="0"/>
-                                          </p:stCondLst>
-                                        </p:cTn>
-                                        <p:tgtEl>
-                                          <p:spTgt spid="106"/>
-                                        </p:tgtEl>
-                                        <p:attrNameLst>
-                                          <p:attrName>style.visibility</p:attrName>
-                                        </p:attrNameLst>
-                                      </p:cBhvr>
-                                      <p:to>
-                                        <p:strVal val="visible"/>
-                                      </p:to>
-                                    </p:set>
-                                  </p:childTnLst>
-                                </p:cTn>
-                              </p:par>
-                            </p:childTnLst>
-                          </p:cTn>
-                        </p:par>
-                        <p:par>
-                          <p:cTn id="103" fill="hold">
-                            <p:stCondLst>
-                              <p:cond delay="0"/>
-                            </p:stCondLst>
-                            <p:childTnLst>
-                              <p:par>
-                                <p:cTn id="104" presetID="1" presetClass="entr" presetSubtype="0" fill="hold" nodeType="afterEffect">
-                                  <p:stCondLst>
-                                    <p:cond delay="0"/>
-                                  </p:stCondLst>
-                                  <p:childTnLst>
-                                    <p:set>
-                                      <p:cBhvr>
-                                        <p:cTn id="105" dur="1" fill="hold">
-                                          <p:stCondLst>
-                                            <p:cond delay="0"/>
-                                          </p:stCondLst>
-                                        </p:cTn>
-                                        <p:tgtEl>
-                                          <p:spTgt spid="38"/>
-                                        </p:tgtEl>
-                                        <p:attrNameLst>
-                                          <p:attrName>style.visibility</p:attrName>
-                                        </p:attrNameLst>
-                                      </p:cBhvr>
-                                      <p:to>
-                                        <p:strVal val="visible"/>
-                                      </p:to>
-                                    </p:set>
-                                  </p:childTnLst>
-                                </p:cTn>
-                              </p:par>
-                            </p:childTnLst>
-                          </p:cTn>
-                        </p:par>
-                      </p:childTnLst>
-                    </p:cTn>
-                  </p:par>
-                  <p:par>
-                    <p:cTn id="106" fill="hold">
-                      <p:stCondLst>
-                        <p:cond delay="indefinite"/>
-                      </p:stCondLst>
-                      <p:childTnLst>
-                        <p:par>
-                          <p:cTn id="107" fill="hold">
-                            <p:stCondLst>
-                              <p:cond delay="0"/>
-                            </p:stCondLst>
-                            <p:childTnLst>
-                              <p:par>
-                                <p:cTn id="108" presetID="1" presetClass="entr" presetSubtype="0" fill="hold" grpId="0" nodeType="clickEffect">
-                                  <p:stCondLst>
-                                    <p:cond delay="0"/>
-                                  </p:stCondLst>
-                                  <p:childTnLst>
-                                    <p:set>
-                                      <p:cBhvr>
-                                        <p:cTn id="109" dur="1" fill="hold">
-                                          <p:stCondLst>
-                                            <p:cond delay="0"/>
-                                          </p:stCondLst>
-                                        </p:cTn>
-                                        <p:tgtEl>
-                                          <p:spTgt spid="99"/>
-                                        </p:tgtEl>
-                                        <p:attrNameLst>
-                                          <p:attrName>style.visibility</p:attrName>
-                                        </p:attrNameLst>
-                                      </p:cBhvr>
-                                      <p:to>
-                                        <p:strVal val="visible"/>
-                                      </p:to>
-                                    </p:set>
-                                  </p:childTnLst>
-                                </p:cTn>
-                              </p:par>
-                              <p:par>
-                                <p:cTn id="110" presetID="1" presetClass="entr" presetSubtype="0" fill="hold" grpId="0" nodeType="withEffect">
-                                  <p:stCondLst>
-                                    <p:cond delay="0"/>
-                                  </p:stCondLst>
-                                  <p:childTnLst>
-                                    <p:set>
-                                      <p:cBhvr>
-                                        <p:cTn id="111" dur="1" fill="hold">
-                                          <p:stCondLst>
-                                            <p:cond delay="0"/>
-                                          </p:stCondLst>
-                                        </p:cTn>
-                                        <p:tgtEl>
-                                          <p:spTgt spid="48"/>
-                                        </p:tgtEl>
-                                        <p:attrNameLst>
-                                          <p:attrName>style.visibility</p:attrName>
-                                        </p:attrNameLst>
-                                      </p:cBhvr>
-                                      <p:to>
-                                        <p:strVal val="visible"/>
-                                      </p:to>
-                                    </p:set>
-                                  </p:childTnLst>
-                                </p:cTn>
-                              </p:par>
-                            </p:childTnLst>
-                          </p:cTn>
-                        </p:par>
-                      </p:childTnLst>
-                    </p:cTn>
-                  </p:par>
-                </p:childTnLst>
-              </p:cTn>
-              <p:prevCondLst>
-                <p:cond evt="onPrev" delay="0">
-                  <p:tgtEl>
-                    <p:sldTgt/>
-                  </p:tgtEl>
-                </p:cond>
-              </p:prevCondLst>
-              <p:nextCondLst>
-                <p:cond evt="onNext" delay="0">
-                  <p:tgtEl>
-                    <p:sldTgt/>
-                  </p:tgtEl>
-                </p:cond>
-              </p:nextCondLst>
-            </p:seq>
-          </p:childTnLst>
-        </p:cTn>
-      </p:par>
-    </p:tnLst>
-    <p:bldLst>
-      <p:bldP spid="46" grpId="0" animBg="1"/>
-      <p:bldP spid="23" grpId="0" animBg="1"/>
-      <p:bldP spid="28" grpId="0"/>
-      <p:bldP spid="34" grpId="0"/>
-      <p:bldP spid="41" grpId="0"/>
-      <p:bldP spid="42" grpId="0"/>
-      <p:bldP spid="44" grpId="0"/>
-      <p:bldP spid="47" grpId="0"/>
-      <p:bldP spid="50" grpId="0" build="p"/>
-      <p:bldP spid="52" grpId="0" animBg="1"/>
-      <p:bldP spid="54" grpId="0"/>
-      <p:bldP spid="56" grpId="0"/>
-      <p:bldP spid="57" grpId="0"/>
-      <p:bldP spid="70" grpId="0" animBg="1"/>
-      <p:bldP spid="82" grpId="0"/>
-      <p:bldP spid="99" grpId="0"/>
-      <p:bldP spid="100" grpId="0" animBg="1"/>
-      <p:bldP spid="106" grpId="0"/>
-      <p:bldP spid="107" grpId="0"/>
-      <p:bldP spid="33" grpId="0"/>
-      <p:bldP spid="36" grpId="0"/>
-      <p:bldP spid="39" grpId="0" build="p"/>
-      <p:bldP spid="40" grpId="0" build="p"/>
-      <p:bldP spid="43" grpId="0"/>
-      <p:bldP spid="45" grpId="0"/>
-      <p:bldP spid="37" grpId="0" animBg="1"/>
-      <p:bldP spid="48" grpId="0"/>
-    </p:bldLst>
-  </p:timing>
-</p:sld>
-</file>
-
-<file path=ppt/slides/slide2.xml><?xml version="1.0" encoding="utf-8"?>
-<p:sld xmlns:a="http://schemas.openxmlformats.org/drawingml/2006/main" xmlns:r="http://schemas.openxmlformats.org/officeDocument/2006/relationships" xmlns:p="http://schemas.openxmlformats.org/presentationml/2006/main">
-  <p:cSld>
-    <p:spTree>
-      <p:nvGrpSpPr>
-        <p:cNvPr id="1" name=""/>
-        <p:cNvGrpSpPr/>
-        <p:nvPr/>
-      </p:nvGrpSpPr>
-      <p:grpSpPr>
-        <a:xfrm>
-          <a:off x="0" y="0"/>
-          <a:ext cx="0" cy="0"/>
-          <a:chOff x="0" y="0"/>
-          <a:chExt cx="0" cy="0"/>
-        </a:xfrm>
-      </p:grpSpPr>
-      <p:sp>
-        <p:nvSpPr>
-          <p:cNvPr id="2" name="Title 1"/>
-          <p:cNvSpPr>
-            <a:spLocks noGrp="1"/>
-          </p:cNvSpPr>
-          <p:nvPr>
-            <p:ph type="title"/>
-          </p:nvPr>
-        </p:nvSpPr>
-        <p:spPr>
-          <a:xfrm rot="16200000">
-            <a:off x="-1866183" y="2285107"/>
-            <a:ext cx="4738326" cy="461962"/>
-          </a:xfrm>
-        </p:spPr>
-        <p:txBody>
-          <a:bodyPr/>
-          <a:lstStyle/>
-          <a:p>
-            <a:endParaRPr lang="en-US" dirty="0"/>
-          </a:p>
-        </p:txBody>
-      </p:sp>
-      <p:sp>
-        <p:nvSpPr>
-          <p:cNvPr id="5" name="Can 4"/>
-          <p:cNvSpPr/>
-          <p:nvPr/>
-        </p:nvSpPr>
-        <p:spPr>
-          <a:xfrm>
-            <a:off x="2870368" y="364186"/>
-            <a:ext cx="1847167" cy="622526"/>
-          </a:xfrm>
-          <a:prstGeom prst="can">
-            <a:avLst/>
-          </a:prstGeom>
-          <a:solidFill>
-            <a:schemeClr val="accent1"/>
-          </a:solidFill>
-          <a:ln>
-            <a:solidFill>
-              <a:schemeClr val="bg1"/>
-            </a:solidFill>
-          </a:ln>
-        </p:spPr>
-        <p:style>
-          <a:lnRef idx="2">
-            <a:schemeClr val="accent1">
-              <a:shade val="50000"/>
-            </a:schemeClr>
-          </a:lnRef>
-          <a:fillRef idx="1">
-            <a:schemeClr val="accent1"/>
-          </a:fillRef>
-          <a:effectRef idx="0">
-            <a:schemeClr val="accent1"/>
-          </a:effectRef>
-          <a:fontRef idx="minor">
-            <a:schemeClr val="lt1"/>
-          </a:fontRef>
-        </p:style>
-        <p:txBody>
-          <a:bodyPr/>
-          <a:lstStyle/>
-          <a:p>
-            <a:pPr algn="ctr"/>
-            <a:r>
-              <a:rPr lang="en-US" sz="1600" dirty="0" smtClean="0">
-                <a:latin typeface="Open Sans Light"/>
-                <a:cs typeface="Open Sans Light"/>
-              </a:rPr>
-              <a:t>requirements.txt</a:t>
-            </a:r>
-            <a:endParaRPr lang="en-US" sz="1600" dirty="0">
-              <a:latin typeface="Open Sans Light"/>
-              <a:cs typeface="Open Sans Light"/>
-            </a:endParaRPr>
-          </a:p>
-        </p:txBody>
-      </p:sp>
-      <p:sp>
-        <p:nvSpPr>
-          <p:cNvPr id="6" name="Can 5"/>
-          <p:cNvSpPr/>
-          <p:nvPr/>
-        </p:nvSpPr>
-        <p:spPr>
-          <a:xfrm>
-            <a:off x="5740605" y="364186"/>
-            <a:ext cx="1847167" cy="622526"/>
-          </a:xfrm>
-          <a:prstGeom prst="can">
-            <a:avLst/>
-          </a:prstGeom>
-          <a:solidFill>
-            <a:schemeClr val="accent1"/>
-          </a:solidFill>
-          <a:ln>
-            <a:solidFill>
-              <a:schemeClr val="bg1"/>
-            </a:solidFill>
-          </a:ln>
-        </p:spPr>
-        <p:style>
-          <a:lnRef idx="2">
-            <a:schemeClr val="accent1">
-              <a:shade val="50000"/>
-            </a:schemeClr>
-          </a:lnRef>
-          <a:fillRef idx="1">
-            <a:schemeClr val="accent1"/>
-          </a:fillRef>
-          <a:effectRef idx="0">
-            <a:schemeClr val="accent1"/>
-          </a:effectRef>
-          <a:fontRef idx="minor">
-            <a:schemeClr val="lt1"/>
-          </a:fontRef>
-        </p:style>
-        <p:txBody>
-          <a:bodyPr/>
-          <a:lstStyle/>
-          <a:p>
-            <a:pPr algn="ctr"/>
-            <a:r>
-              <a:rPr lang="en-US" sz="1600" dirty="0">
-                <a:latin typeface="Open Sans Light"/>
-                <a:cs typeface="Open Sans Light"/>
-              </a:rPr>
-              <a:t>environment.yaml</a:t>
-            </a:r>
-            <a:endParaRPr lang="en-US" sz="1600" dirty="0">
-              <a:latin typeface="Open Sans Light"/>
-              <a:cs typeface="Open Sans Light"/>
-            </a:endParaRPr>
-          </a:p>
-        </p:txBody>
-      </p:sp>
-      <p:sp>
-        <p:nvSpPr>
-          <p:cNvPr id="8" name="Rectangle 7"/>
-          <p:cNvSpPr/>
-          <p:nvPr/>
-        </p:nvSpPr>
-        <p:spPr>
-          <a:xfrm>
-            <a:off x="5740605" y="3240376"/>
-            <a:ext cx="902922" cy="367423"/>
+            <a:off x="4318715" y="3240376"/>
+            <a:ext cx="876466" cy="367423"/>
           </a:xfrm>
           <a:prstGeom prst="rect">
             <a:avLst/>
@@ -6044,13 +2589,13 @@
       </p:sp>
       <p:sp>
         <p:nvSpPr>
-          <p:cNvPr id="9" name="Rectangle 8"/>
+          <p:cNvPr id="11" name="Rectangle 10"/>
           <p:cNvSpPr/>
           <p:nvPr/>
         </p:nvSpPr>
         <p:spPr>
           <a:xfrm>
-            <a:off x="5740605" y="3639259"/>
+            <a:off x="4318715" y="3639259"/>
             <a:ext cx="1275325" cy="367362"/>
           </a:xfrm>
           <a:prstGeom prst="rect">
@@ -6100,26 +2645,21 @@
                 <a:ea typeface="Open Sans Light" charset="0"/>
                 <a:cs typeface="Open Sans Light"/>
               </a:rPr>
-              <a:t>Conda CLI</a:t>
+              <a:t>easy_install</a:t>
             </a:r>
-            <a:endParaRPr lang="en-US" sz="1600" dirty="0" smtClean="0">
-              <a:latin typeface="Open Sans Light"/>
-              <a:ea typeface="Open Sans Light" charset="0"/>
-              <a:cs typeface="Open Sans Light"/>
-            </a:endParaRPr>
           </a:p>
         </p:txBody>
       </p:sp>
       <p:sp>
         <p:nvSpPr>
-          <p:cNvPr id="10" name="Rectangle 9"/>
+          <p:cNvPr id="12" name="Rectangle 11"/>
           <p:cNvSpPr/>
           <p:nvPr/>
         </p:nvSpPr>
         <p:spPr>
           <a:xfrm>
-            <a:off x="4318715" y="3240376"/>
-            <a:ext cx="876466" cy="367423"/>
+            <a:off x="2870368" y="3240376"/>
+            <a:ext cx="970924" cy="367423"/>
           </a:xfrm>
           <a:prstGeom prst="rect">
             <a:avLst/>
@@ -6180,13 +2720,13 @@
       </p:sp>
       <p:sp>
         <p:nvSpPr>
-          <p:cNvPr id="11" name="Rectangle 10"/>
+          <p:cNvPr id="13" name="Rectangle 12"/>
           <p:cNvSpPr/>
           <p:nvPr/>
         </p:nvSpPr>
         <p:spPr>
           <a:xfrm>
-            <a:off x="4318715" y="3639259"/>
+            <a:off x="2870368" y="3639259"/>
             <a:ext cx="1275325" cy="367362"/>
           </a:xfrm>
           <a:prstGeom prst="rect">
@@ -6238,24 +2778,19 @@
               </a:rPr>
               <a:t>easy_install</a:t>
             </a:r>
-            <a:endParaRPr lang="en-US" sz="1600" dirty="0" smtClean="0">
-              <a:latin typeface="Open Sans Light"/>
-              <a:ea typeface="Open Sans Light" charset="0"/>
-              <a:cs typeface="Open Sans Light"/>
-            </a:endParaRPr>
           </a:p>
         </p:txBody>
       </p:sp>
       <p:sp>
         <p:nvSpPr>
-          <p:cNvPr id="12" name="Rectangle 11"/>
+          <p:cNvPr id="14" name="Rectangle 13"/>
           <p:cNvSpPr/>
           <p:nvPr/>
         </p:nvSpPr>
         <p:spPr>
           <a:xfrm>
-            <a:off x="2870368" y="3240376"/>
-            <a:ext cx="970924" cy="367423"/>
+            <a:off x="5740605" y="4017118"/>
+            <a:ext cx="1275325" cy="367362"/>
           </a:xfrm>
           <a:prstGeom prst="rect">
             <a:avLst/>
@@ -6304,25 +2839,20 @@
                 <a:ea typeface="Open Sans Light" charset="0"/>
                 <a:cs typeface="Open Sans Light"/>
               </a:rPr>
-              <a:t>Python</a:t>
+              <a:t>Miniconda</a:t>
             </a:r>
-            <a:endParaRPr lang="en-US" sz="1600" dirty="0">
-              <a:latin typeface="Open Sans Light"/>
-              <a:ea typeface="Open Sans Light" charset="0"/>
-              <a:cs typeface="Open Sans Light"/>
-            </a:endParaRPr>
           </a:p>
         </p:txBody>
       </p:sp>
       <p:sp>
         <p:nvSpPr>
-          <p:cNvPr id="13" name="Rectangle 12"/>
+          <p:cNvPr id="15" name="Rectangle 14"/>
           <p:cNvSpPr/>
           <p:nvPr/>
         </p:nvSpPr>
         <p:spPr>
           <a:xfrm>
-            <a:off x="2870368" y="3639259"/>
+            <a:off x="7015930" y="4017118"/>
             <a:ext cx="1275325" cy="367362"/>
           </a:xfrm>
           <a:prstGeom prst="rect">
@@ -6372,149 +2902,8 @@
                 <a:ea typeface="Open Sans Light" charset="0"/>
                 <a:cs typeface="Open Sans Light"/>
               </a:rPr>
-              <a:t>easy_install</a:t>
-            </a:r>
-            <a:endParaRPr lang="en-US" sz="1600" dirty="0" smtClean="0">
-              <a:latin typeface="Open Sans Light"/>
-              <a:ea typeface="Open Sans Light" charset="0"/>
-              <a:cs typeface="Open Sans Light"/>
-            </a:endParaRPr>
-          </a:p>
-        </p:txBody>
-      </p:sp>
-      <p:sp>
-        <p:nvSpPr>
-          <p:cNvPr id="14" name="Rectangle 13"/>
-          <p:cNvSpPr/>
-          <p:nvPr/>
-        </p:nvSpPr>
-        <p:spPr>
-          <a:xfrm>
-            <a:off x="5740605" y="4017118"/>
-            <a:ext cx="1275325" cy="367362"/>
-          </a:xfrm>
-          <a:prstGeom prst="rect">
-            <a:avLst/>
-          </a:prstGeom>
-          <a:solidFill>
-            <a:schemeClr val="accent4"/>
-          </a:solidFill>
-          <a:ln>
-            <a:solidFill>
-              <a:schemeClr val="bg1"/>
-            </a:solidFill>
-          </a:ln>
-        </p:spPr>
-        <p:style>
-          <a:lnRef idx="2">
-            <a:schemeClr val="accent1">
-              <a:shade val="50000"/>
-            </a:schemeClr>
-          </a:lnRef>
-          <a:fillRef idx="1">
-            <a:schemeClr val="accent1"/>
-          </a:fillRef>
-          <a:effectRef idx="0">
-            <a:schemeClr val="accent1"/>
-          </a:effectRef>
-          <a:fontRef idx="minor">
-            <a:schemeClr val="lt1"/>
-          </a:fontRef>
-        </p:style>
-        <p:txBody>
-          <a:bodyPr lIns="68681" tIns="34340" rIns="68681" bIns="34340" anchor="ctr"/>
-          <a:lstStyle/>
-          <a:p>
-            <a:pPr algn="ctr" defTabSz="343403" eaLnBrk="1" fontAlgn="auto" hangingPunct="1">
-              <a:spcBef>
-                <a:spcPts val="0"/>
-              </a:spcBef>
-              <a:spcAft>
-                <a:spcPts val="0"/>
-              </a:spcAft>
-              <a:defRPr/>
-            </a:pPr>
-            <a:r>
-              <a:rPr lang="en-US" sz="1600" dirty="0" smtClean="0">
-                <a:latin typeface="Open Sans Light"/>
-                <a:ea typeface="Open Sans Light" charset="0"/>
-                <a:cs typeface="Open Sans Light"/>
-              </a:rPr>
-              <a:t>Miniconda</a:t>
-            </a:r>
-            <a:endParaRPr lang="en-US" sz="1600" dirty="0" smtClean="0">
-              <a:latin typeface="Open Sans Light"/>
-              <a:ea typeface="Open Sans Light" charset="0"/>
-              <a:cs typeface="Open Sans Light"/>
-            </a:endParaRPr>
-          </a:p>
-        </p:txBody>
-      </p:sp>
-      <p:sp>
-        <p:nvSpPr>
-          <p:cNvPr id="15" name="Rectangle 14"/>
-          <p:cNvSpPr/>
-          <p:nvPr/>
-        </p:nvSpPr>
-        <p:spPr>
-          <a:xfrm>
-            <a:off x="7015930" y="4017118"/>
-            <a:ext cx="1275325" cy="367362"/>
-          </a:xfrm>
-          <a:prstGeom prst="rect">
-            <a:avLst/>
-          </a:prstGeom>
-          <a:solidFill>
-            <a:schemeClr val="accent4"/>
-          </a:solidFill>
-          <a:ln>
-            <a:solidFill>
-              <a:schemeClr val="bg1"/>
-            </a:solidFill>
-          </a:ln>
-        </p:spPr>
-        <p:style>
-          <a:lnRef idx="2">
-            <a:schemeClr val="accent1">
-              <a:shade val="50000"/>
-            </a:schemeClr>
-          </a:lnRef>
-          <a:fillRef idx="1">
-            <a:schemeClr val="accent1"/>
-          </a:fillRef>
-          <a:effectRef idx="0">
-            <a:schemeClr val="accent1"/>
-          </a:effectRef>
-          <a:fontRef idx="minor">
-            <a:schemeClr val="lt1"/>
-          </a:fontRef>
-        </p:style>
-        <p:txBody>
-          <a:bodyPr lIns="68681" tIns="34340" rIns="68681" bIns="34340" anchor="ctr"/>
-          <a:lstStyle/>
-          <a:p>
-            <a:pPr algn="ctr" defTabSz="343403" eaLnBrk="1" fontAlgn="auto" hangingPunct="1">
-              <a:spcBef>
-                <a:spcPts val="0"/>
-              </a:spcBef>
-              <a:spcAft>
-                <a:spcPts val="0"/>
-              </a:spcAft>
-              <a:defRPr/>
-            </a:pPr>
-            <a:r>
-              <a:rPr lang="en-US" sz="1600" dirty="0" smtClean="0">
-                <a:latin typeface="Open Sans Light"/>
-                <a:ea typeface="Open Sans Light" charset="0"/>
-                <a:cs typeface="Open Sans Light"/>
-              </a:rPr>
               <a:t>Anaconda</a:t>
             </a:r>
-            <a:endParaRPr lang="en-US" sz="1600" dirty="0" smtClean="0">
-              <a:latin typeface="Open Sans Light"/>
-              <a:ea typeface="Open Sans Light" charset="0"/>
-              <a:cs typeface="Open Sans Light"/>
-            </a:endParaRPr>
           </a:p>
         </p:txBody>
       </p:sp>
@@ -6547,10 +2936,6 @@
               </a:rPr>
               <a:t>Plug-ins:</a:t>
             </a:r>
-            <a:endParaRPr lang="en-US" sz="1600" dirty="0" smtClean="0">
-              <a:latin typeface="Open Sans Light"/>
-              <a:cs typeface="Open Sans Light"/>
-            </a:endParaRPr>
           </a:p>
         </p:txBody>
       </p:sp>
@@ -6583,10 +2968,6 @@
               </a:rPr>
               <a:t>Plug-ins manager</a:t>
             </a:r>
-            <a:endParaRPr lang="en-US" sz="1600" dirty="0" smtClean="0">
-              <a:latin typeface="Open Sans Light"/>
-              <a:cs typeface="Open Sans Light"/>
-            </a:endParaRPr>
           </a:p>
         </p:txBody>
       </p:sp>
@@ -6619,10 +3000,6 @@
               </a:rPr>
               <a:t>Command:</a:t>
             </a:r>
-            <a:endParaRPr lang="en-US" sz="1600" dirty="0" smtClean="0">
-              <a:latin typeface="Open Sans Light"/>
-              <a:cs typeface="Open Sans Light"/>
-            </a:endParaRPr>
           </a:p>
         </p:txBody>
       </p:sp>
@@ -7550,7 +3927,7 @@
   <a:extraClrSchemeLst/>
   <a:extLst>
     <a:ext uri="{05A4C25C-085E-4340-85A3-A5531E510DB2}">
-      <thm15:themeFamily xmlns="" xmlns:thm15="http://schemas.microsoft.com/office/thememl/2012/main" name="ConcurCorporateTemplate2013_Helvetica_16x9" id="{A09BE1D0-94B0-44B7-9420-2ECF7BB955CC}" vid="{59E5CBDF-7240-4762-BDFB-AAFD424E1AE9}"/>
+      <thm15:themeFamily xmlns:thm15="http://schemas.microsoft.com/office/thememl/2012/main" xmlns="" name="ConcurCorporateTemplate2013_Helvetica_16x9" id="{A09BE1D0-94B0-44B7-9420-2ECF7BB955CC}" vid="{59E5CBDF-7240-4762-BDFB-AAFD424E1AE9}"/>
     </a:ext>
   </a:extLst>
 </a:theme>
